--- a/java/Ryhmä 9 - Lämpötilaseuranta v4.pptx
+++ b/java/Ryhmä 9 - Lämpötilaseuranta v4.pptx
@@ -5,7 +5,7 @@
     <p:sldMasterId id="2147483648" r:id="rId1"/>
   </p:sldMasterIdLst>
   <p:notesMasterIdLst>
-    <p:notesMasterId r:id="rId10"/>
+    <p:notesMasterId r:id="rId11"/>
   </p:notesMasterIdLst>
   <p:sldIdLst>
     <p:sldId id="256" r:id="rId2"/>
@@ -15,7 +15,8 @@
     <p:sldId id="259" r:id="rId6"/>
     <p:sldId id="263" r:id="rId7"/>
     <p:sldId id="260" r:id="rId8"/>
-    <p:sldId id="261" r:id="rId9"/>
+    <p:sldId id="264" r:id="rId9"/>
+    <p:sldId id="261" r:id="rId10"/>
   </p:sldIdLst>
   <p:sldSz cx="12192000" cy="6858000"/>
   <p:notesSz cx="6858000" cy="9144000"/>
@@ -126,6 +127,7 @@
             <p14:sldId id="259"/>
             <p14:sldId id="263"/>
             <p14:sldId id="260"/>
+            <p14:sldId id="264"/>
             <p14:sldId id="261"/>
           </p14:sldIdLst>
         </p14:section>
@@ -220,7 +222,7 @@
           <a:p>
             <a:fld id="{B7584FA8-6991-450F-A0BA-FF09BEC0681A}" type="datetimeFigureOut">
               <a:rPr lang="en-US" smtClean="0"/>
-              <a:t>2/20/2018</a:t>
+              <a:t>2/21/2018</a:t>
             </a:fld>
             <a:endParaRPr lang="en-US"/>
           </a:p>
@@ -626,16 +628,6 @@
           <a:bodyPr/>
           <a:lstStyle/>
           <a:p>
-            <a:r>
-              <a:rPr lang="fi-FI" dirty="0" err="1"/>
-              <a:t>Hablas</a:t>
-            </a:r>
-            <a:r>
-              <a:rPr lang="fi-FI" dirty="0"/>
-              <a:t>!</a:t>
-            </a:r>
-          </a:p>
-          <a:p>
             <a:endParaRPr lang="en-US" dirty="0"/>
           </a:p>
         </p:txBody>
@@ -726,7 +718,7 @@
           <a:noFill/>
           <a:extLst>
             <a:ext uri="{909E8E84-426E-40dd-AFC4-6F175D3DCCD1}">
-              <a14:hiddenFill xmlns="" xmlns:a14="http://schemas.microsoft.com/office/drawing/2010/main">
+              <a14:hiddenFill xmlns:a14="http://schemas.microsoft.com/office/drawing/2010/main" xmlns="">
                 <a:solidFill>
                   <a:srgbClr val="FFFFFF"/>
                 </a:solidFill>
@@ -786,7 +778,7 @@
             </a:ln>
             <a:extLst>
               <a:ext uri="{91240B29-F687-4f45-9708-019B960494DF}">
-                <a14:hiddenLine xmlns="" xmlns:a14="http://schemas.microsoft.com/office/drawing/2010/main" w="9525">
+                <a14:hiddenLine xmlns:a14="http://schemas.microsoft.com/office/drawing/2010/main" xmlns="" w="9525">
                   <a:solidFill>
                     <a:srgbClr val="000000"/>
                   </a:solidFill>
@@ -876,7 +868,7 @@
             </a:ln>
             <a:extLst>
               <a:ext uri="{91240B29-F687-4f45-9708-019B960494DF}">
-                <a14:hiddenLine xmlns="" xmlns:a14="http://schemas.microsoft.com/office/drawing/2010/main" w="9525">
+                <a14:hiddenLine xmlns:a14="http://schemas.microsoft.com/office/drawing/2010/main" xmlns="" w="9525">
                   <a:solidFill>
                     <a:srgbClr val="000000"/>
                   </a:solidFill>
@@ -966,7 +958,7 @@
             </a:ln>
             <a:extLst>
               <a:ext uri="{91240B29-F687-4f45-9708-019B960494DF}">
-                <a14:hiddenLine xmlns="" xmlns:a14="http://schemas.microsoft.com/office/drawing/2010/main" w="9525">
+                <a14:hiddenLine xmlns:a14="http://schemas.microsoft.com/office/drawing/2010/main" xmlns="" w="9525">
                   <a:solidFill>
                     <a:srgbClr val="000000"/>
                   </a:solidFill>
@@ -1000,7 +992,7 @@
             </a:ln>
             <a:extLst>
               <a:ext uri="{91240B29-F687-4f45-9708-019B960494DF}">
-                <a14:hiddenLine xmlns="" xmlns:a14="http://schemas.microsoft.com/office/drawing/2010/main" w="9525">
+                <a14:hiddenLine xmlns:a14="http://schemas.microsoft.com/office/drawing/2010/main" xmlns="" w="9525">
                   <a:solidFill>
                     <a:srgbClr val="000000"/>
                   </a:solidFill>
@@ -1090,7 +1082,7 @@
             </a:ln>
             <a:extLst>
               <a:ext uri="{91240B29-F687-4f45-9708-019B960494DF}">
-                <a14:hiddenLine xmlns="" xmlns:a14="http://schemas.microsoft.com/office/drawing/2010/main" w="9525">
+                <a14:hiddenLine xmlns:a14="http://schemas.microsoft.com/office/drawing/2010/main" xmlns="" w="9525">
                   <a:solidFill>
                     <a:srgbClr val="000000"/>
                   </a:solidFill>
@@ -1152,7 +1144,7 @@
             </a:ln>
             <a:extLst>
               <a:ext uri="{91240B29-F687-4f45-9708-019B960494DF}">
-                <a14:hiddenLine xmlns="" xmlns:a14="http://schemas.microsoft.com/office/drawing/2010/main" w="9525">
+                <a14:hiddenLine xmlns:a14="http://schemas.microsoft.com/office/drawing/2010/main" xmlns="" w="9525">
                   <a:solidFill>
                     <a:srgbClr val="000000"/>
                   </a:solidFill>
@@ -1214,7 +1206,7 @@
             </a:ln>
             <a:extLst>
               <a:ext uri="{91240B29-F687-4f45-9708-019B960494DF}">
-                <a14:hiddenLine xmlns="" xmlns:a14="http://schemas.microsoft.com/office/drawing/2010/main" w="9525">
+                <a14:hiddenLine xmlns:a14="http://schemas.microsoft.com/office/drawing/2010/main" xmlns="" w="9525">
                   <a:solidFill>
                     <a:srgbClr val="000000"/>
                   </a:solidFill>
@@ -1304,7 +1296,7 @@
             </a:ln>
             <a:extLst>
               <a:ext uri="{91240B29-F687-4f45-9708-019B960494DF}">
-                <a14:hiddenLine xmlns="" xmlns:a14="http://schemas.microsoft.com/office/drawing/2010/main" w="9525">
+                <a14:hiddenLine xmlns:a14="http://schemas.microsoft.com/office/drawing/2010/main" xmlns="" w="9525">
                   <a:solidFill>
                     <a:srgbClr val="000000"/>
                   </a:solidFill>
@@ -1366,7 +1358,7 @@
             </a:ln>
             <a:extLst>
               <a:ext uri="{91240B29-F687-4f45-9708-019B960494DF}">
-                <a14:hiddenLine xmlns="" xmlns:a14="http://schemas.microsoft.com/office/drawing/2010/main" w="9525">
+                <a14:hiddenLine xmlns:a14="http://schemas.microsoft.com/office/drawing/2010/main" xmlns="" w="9525">
                   <a:solidFill>
                     <a:srgbClr val="000000"/>
                   </a:solidFill>
@@ -1428,7 +1420,7 @@
             </a:ln>
             <a:extLst>
               <a:ext uri="{91240B29-F687-4f45-9708-019B960494DF}">
-                <a14:hiddenLine xmlns="" xmlns:a14="http://schemas.microsoft.com/office/drawing/2010/main" w="9525">
+                <a14:hiddenLine xmlns:a14="http://schemas.microsoft.com/office/drawing/2010/main" xmlns="" w="9525">
                   <a:solidFill>
                     <a:srgbClr val="000000"/>
                   </a:solidFill>
@@ -1518,7 +1510,7 @@
             </a:ln>
             <a:extLst>
               <a:ext uri="{91240B29-F687-4f45-9708-019B960494DF}">
-                <a14:hiddenLine xmlns="" xmlns:a14="http://schemas.microsoft.com/office/drawing/2010/main" w="9525">
+                <a14:hiddenLine xmlns:a14="http://schemas.microsoft.com/office/drawing/2010/main" xmlns="" w="9525">
                   <a:solidFill>
                     <a:srgbClr val="000000"/>
                   </a:solidFill>
@@ -1608,7 +1600,7 @@
             </a:ln>
             <a:extLst>
               <a:ext uri="{91240B29-F687-4f45-9708-019B960494DF}">
-                <a14:hiddenLine xmlns="" xmlns:a14="http://schemas.microsoft.com/office/drawing/2010/main" w="9525">
+                <a14:hiddenLine xmlns:a14="http://schemas.microsoft.com/office/drawing/2010/main" xmlns="" w="9525">
                   <a:solidFill>
                     <a:srgbClr val="000000"/>
                   </a:solidFill>
@@ -1670,7 +1662,7 @@
             </a:ln>
             <a:extLst>
               <a:ext uri="{91240B29-F687-4f45-9708-019B960494DF}">
-                <a14:hiddenLine xmlns="" xmlns:a14="http://schemas.microsoft.com/office/drawing/2010/main" w="9525">
+                <a14:hiddenLine xmlns:a14="http://schemas.microsoft.com/office/drawing/2010/main" xmlns="" w="9525">
                   <a:solidFill>
                     <a:srgbClr val="000000"/>
                   </a:solidFill>
@@ -1780,7 +1772,7 @@
             </a:ln>
             <a:extLst>
               <a:ext uri="{91240B29-F687-4f45-9708-019B960494DF}">
-                <a14:hiddenLine xmlns="" xmlns:a14="http://schemas.microsoft.com/office/drawing/2010/main" w="9525">
+                <a14:hiddenLine xmlns:a14="http://schemas.microsoft.com/office/drawing/2010/main" xmlns="" w="9525">
                   <a:solidFill>
                     <a:srgbClr val="000000"/>
                   </a:solidFill>
@@ -1842,7 +1834,7 @@
             </a:ln>
             <a:extLst>
               <a:ext uri="{91240B29-F687-4f45-9708-019B960494DF}">
-                <a14:hiddenLine xmlns="" xmlns:a14="http://schemas.microsoft.com/office/drawing/2010/main" w="9525">
+                <a14:hiddenLine xmlns:a14="http://schemas.microsoft.com/office/drawing/2010/main" xmlns="" w="9525">
                   <a:solidFill>
                     <a:srgbClr val="000000"/>
                   </a:solidFill>
@@ -1932,7 +1924,7 @@
             </a:ln>
             <a:extLst>
               <a:ext uri="{91240B29-F687-4f45-9708-019B960494DF}">
-                <a14:hiddenLine xmlns="" xmlns:a14="http://schemas.microsoft.com/office/drawing/2010/main" w="9525">
+                <a14:hiddenLine xmlns:a14="http://schemas.microsoft.com/office/drawing/2010/main" xmlns="" w="9525">
                   <a:solidFill>
                     <a:srgbClr val="000000"/>
                   </a:solidFill>
@@ -2022,7 +2014,7 @@
             </a:ln>
             <a:extLst>
               <a:ext uri="{91240B29-F687-4f45-9708-019B960494DF}">
-                <a14:hiddenLine xmlns="" xmlns:a14="http://schemas.microsoft.com/office/drawing/2010/main" w="9525">
+                <a14:hiddenLine xmlns:a14="http://schemas.microsoft.com/office/drawing/2010/main" xmlns="" w="9525">
                   <a:solidFill>
                     <a:srgbClr val="000000"/>
                   </a:solidFill>
@@ -2084,7 +2076,7 @@
             </a:ln>
             <a:extLst>
               <a:ext uri="{91240B29-F687-4f45-9708-019B960494DF}">
-                <a14:hiddenLine xmlns="" xmlns:a14="http://schemas.microsoft.com/office/drawing/2010/main" w="9525">
+                <a14:hiddenLine xmlns:a14="http://schemas.microsoft.com/office/drawing/2010/main" xmlns="" w="9525">
                   <a:solidFill>
                     <a:srgbClr val="000000"/>
                   </a:solidFill>
@@ -2174,7 +2166,7 @@
             </a:ln>
             <a:extLst>
               <a:ext uri="{91240B29-F687-4f45-9708-019B960494DF}">
-                <a14:hiddenLine xmlns="" xmlns:a14="http://schemas.microsoft.com/office/drawing/2010/main" w="9525">
+                <a14:hiddenLine xmlns:a14="http://schemas.microsoft.com/office/drawing/2010/main" xmlns="" w="9525">
                   <a:solidFill>
                     <a:srgbClr val="000000"/>
                   </a:solidFill>
@@ -2264,7 +2256,7 @@
             </a:ln>
             <a:extLst>
               <a:ext uri="{91240B29-F687-4f45-9708-019B960494DF}">
-                <a14:hiddenLine xmlns="" xmlns:a14="http://schemas.microsoft.com/office/drawing/2010/main" w="9525">
+                <a14:hiddenLine xmlns:a14="http://schemas.microsoft.com/office/drawing/2010/main" xmlns="" w="9525">
                   <a:solidFill>
                     <a:srgbClr val="000000"/>
                   </a:solidFill>
@@ -2320,7 +2312,7 @@
             </a:ln>
             <a:extLst>
               <a:ext uri="{91240B29-F687-4f45-9708-019B960494DF}">
-                <a14:hiddenLine xmlns="" xmlns:a14="http://schemas.microsoft.com/office/drawing/2010/main" w="9525">
+                <a14:hiddenLine xmlns:a14="http://schemas.microsoft.com/office/drawing/2010/main" xmlns="" w="9525">
                   <a:solidFill>
                     <a:srgbClr val="000000"/>
                   </a:solidFill>
@@ -2410,7 +2402,7 @@
             </a:ln>
             <a:extLst>
               <a:ext uri="{91240B29-F687-4f45-9708-019B960494DF}">
-                <a14:hiddenLine xmlns="" xmlns:a14="http://schemas.microsoft.com/office/drawing/2010/main" w="9525">
+                <a14:hiddenLine xmlns:a14="http://schemas.microsoft.com/office/drawing/2010/main" xmlns="" w="9525">
                   <a:solidFill>
                     <a:srgbClr val="000000"/>
                   </a:solidFill>
@@ -2466,7 +2458,7 @@
             </a:ln>
             <a:extLst>
               <a:ext uri="{91240B29-F687-4f45-9708-019B960494DF}">
-                <a14:hiddenLine xmlns="" xmlns:a14="http://schemas.microsoft.com/office/drawing/2010/main" w="9525">
+                <a14:hiddenLine xmlns:a14="http://schemas.microsoft.com/office/drawing/2010/main" xmlns="" w="9525">
                   <a:solidFill>
                     <a:srgbClr val="000000"/>
                   </a:solidFill>
@@ -2556,7 +2548,7 @@
             </a:ln>
             <a:extLst>
               <a:ext uri="{91240B29-F687-4f45-9708-019B960494DF}">
-                <a14:hiddenLine xmlns="" xmlns:a14="http://schemas.microsoft.com/office/drawing/2010/main" w="9525">
+                <a14:hiddenLine xmlns:a14="http://schemas.microsoft.com/office/drawing/2010/main" xmlns="" w="9525">
                   <a:solidFill>
                     <a:srgbClr val="000000"/>
                   </a:solidFill>
@@ -2624,7 +2616,7 @@
             </a:ln>
             <a:extLst>
               <a:ext uri="{91240B29-F687-4f45-9708-019B960494DF}">
-                <a14:hiddenLine xmlns="" xmlns:a14="http://schemas.microsoft.com/office/drawing/2010/main" w="9525">
+                <a14:hiddenLine xmlns:a14="http://schemas.microsoft.com/office/drawing/2010/main" xmlns="" w="9525">
                   <a:solidFill>
                     <a:srgbClr val="000000"/>
                   </a:solidFill>
@@ -2714,7 +2706,7 @@
             </a:ln>
             <a:extLst>
               <a:ext uri="{91240B29-F687-4f45-9708-019B960494DF}">
-                <a14:hiddenLine xmlns="" xmlns:a14="http://schemas.microsoft.com/office/drawing/2010/main" w="9525">
+                <a14:hiddenLine xmlns:a14="http://schemas.microsoft.com/office/drawing/2010/main" xmlns="" w="9525">
                   <a:solidFill>
                     <a:srgbClr val="000000"/>
                   </a:solidFill>
@@ -2782,7 +2774,7 @@
             </a:ln>
             <a:extLst>
               <a:ext uri="{91240B29-F687-4f45-9708-019B960494DF}">
-                <a14:hiddenLine xmlns="" xmlns:a14="http://schemas.microsoft.com/office/drawing/2010/main" w="9525">
+                <a14:hiddenLine xmlns:a14="http://schemas.microsoft.com/office/drawing/2010/main" xmlns="" w="9525">
                   <a:solidFill>
                     <a:srgbClr val="000000"/>
                   </a:solidFill>
@@ -2872,7 +2864,7 @@
             </a:ln>
             <a:extLst>
               <a:ext uri="{91240B29-F687-4f45-9708-019B960494DF}">
-                <a14:hiddenLine xmlns="" xmlns:a14="http://schemas.microsoft.com/office/drawing/2010/main" w="9525">
+                <a14:hiddenLine xmlns:a14="http://schemas.microsoft.com/office/drawing/2010/main" xmlns="" w="9525">
                   <a:solidFill>
                     <a:srgbClr val="000000"/>
                   </a:solidFill>
@@ -2906,7 +2898,7 @@
             </a:ln>
             <a:extLst>
               <a:ext uri="{91240B29-F687-4f45-9708-019B960494DF}">
-                <a14:hiddenLine xmlns="" xmlns:a14="http://schemas.microsoft.com/office/drawing/2010/main" w="9525">
+                <a14:hiddenLine xmlns:a14="http://schemas.microsoft.com/office/drawing/2010/main" xmlns="" w="9525">
                   <a:solidFill>
                     <a:srgbClr val="000000"/>
                   </a:solidFill>
@@ -2996,7 +2988,7 @@
             </a:ln>
             <a:extLst>
               <a:ext uri="{91240B29-F687-4f45-9708-019B960494DF}">
-                <a14:hiddenLine xmlns="" xmlns:a14="http://schemas.microsoft.com/office/drawing/2010/main" w="9525">
+                <a14:hiddenLine xmlns:a14="http://schemas.microsoft.com/office/drawing/2010/main" xmlns="" w="9525">
                   <a:solidFill>
                     <a:srgbClr val="000000"/>
                   </a:solidFill>
@@ -3058,7 +3050,7 @@
             </a:ln>
             <a:extLst>
               <a:ext uri="{91240B29-F687-4f45-9708-019B960494DF}">
-                <a14:hiddenLine xmlns="" xmlns:a14="http://schemas.microsoft.com/office/drawing/2010/main" w="9525">
+                <a14:hiddenLine xmlns:a14="http://schemas.microsoft.com/office/drawing/2010/main" xmlns="" w="9525">
                   <a:solidFill>
                     <a:srgbClr val="000000"/>
                   </a:solidFill>
@@ -3120,7 +3112,7 @@
             </a:ln>
             <a:extLst>
               <a:ext uri="{91240B29-F687-4f45-9708-019B960494DF}">
-                <a14:hiddenLine xmlns="" xmlns:a14="http://schemas.microsoft.com/office/drawing/2010/main" w="9525">
+                <a14:hiddenLine xmlns:a14="http://schemas.microsoft.com/office/drawing/2010/main" xmlns="" w="9525">
                   <a:solidFill>
                     <a:srgbClr val="000000"/>
                   </a:solidFill>
@@ -3210,7 +3202,7 @@
             </a:ln>
             <a:extLst>
               <a:ext uri="{91240B29-F687-4f45-9708-019B960494DF}">
-                <a14:hiddenLine xmlns="" xmlns:a14="http://schemas.microsoft.com/office/drawing/2010/main" w="9525">
+                <a14:hiddenLine xmlns:a14="http://schemas.microsoft.com/office/drawing/2010/main" xmlns="" w="9525">
                   <a:solidFill>
                     <a:srgbClr val="000000"/>
                   </a:solidFill>
@@ -3278,7 +3270,7 @@
             </a:ln>
             <a:extLst>
               <a:ext uri="{91240B29-F687-4f45-9708-019B960494DF}">
-                <a14:hiddenLine xmlns="" xmlns:a14="http://schemas.microsoft.com/office/drawing/2010/main" w="9525">
+                <a14:hiddenLine xmlns:a14="http://schemas.microsoft.com/office/drawing/2010/main" xmlns="" w="9525">
                   <a:solidFill>
                     <a:srgbClr val="000000"/>
                   </a:solidFill>
@@ -3340,7 +3332,7 @@
             </a:ln>
             <a:extLst>
               <a:ext uri="{91240B29-F687-4f45-9708-019B960494DF}">
-                <a14:hiddenLine xmlns="" xmlns:a14="http://schemas.microsoft.com/office/drawing/2010/main" w="9525">
+                <a14:hiddenLine xmlns:a14="http://schemas.microsoft.com/office/drawing/2010/main" xmlns="" w="9525">
                   <a:solidFill>
                     <a:srgbClr val="000000"/>
                   </a:solidFill>
@@ -3430,7 +3422,7 @@
             </a:ln>
             <a:extLst>
               <a:ext uri="{91240B29-F687-4f45-9708-019B960494DF}">
-                <a14:hiddenLine xmlns="" xmlns:a14="http://schemas.microsoft.com/office/drawing/2010/main" w="9525">
+                <a14:hiddenLine xmlns:a14="http://schemas.microsoft.com/office/drawing/2010/main" xmlns="" w="9525">
                   <a:solidFill>
                     <a:srgbClr val="000000"/>
                   </a:solidFill>
@@ -3492,7 +3484,7 @@
             </a:ln>
             <a:extLst>
               <a:ext uri="{91240B29-F687-4f45-9708-019B960494DF}">
-                <a14:hiddenLine xmlns="" xmlns:a14="http://schemas.microsoft.com/office/drawing/2010/main" w="9525">
+                <a14:hiddenLine xmlns:a14="http://schemas.microsoft.com/office/drawing/2010/main" xmlns="" w="9525">
                   <a:solidFill>
                     <a:srgbClr val="000000"/>
                   </a:solidFill>
@@ -3582,7 +3574,7 @@
             </a:ln>
             <a:extLst>
               <a:ext uri="{91240B29-F687-4f45-9708-019B960494DF}">
-                <a14:hiddenLine xmlns="" xmlns:a14="http://schemas.microsoft.com/office/drawing/2010/main" w="9525">
+                <a14:hiddenLine xmlns:a14="http://schemas.microsoft.com/office/drawing/2010/main" xmlns="" w="9525">
                   <a:solidFill>
                     <a:srgbClr val="000000"/>
                   </a:solidFill>
@@ -3644,7 +3636,7 @@
             </a:ln>
             <a:extLst>
               <a:ext uri="{91240B29-F687-4f45-9708-019B960494DF}">
-                <a14:hiddenLine xmlns="" xmlns:a14="http://schemas.microsoft.com/office/drawing/2010/main" w="9525">
+                <a14:hiddenLine xmlns:a14="http://schemas.microsoft.com/office/drawing/2010/main" xmlns="" w="9525">
                   <a:solidFill>
                     <a:srgbClr val="000000"/>
                   </a:solidFill>
@@ -3734,7 +3726,7 @@
             </a:ln>
             <a:extLst>
               <a:ext uri="{91240B29-F687-4f45-9708-019B960494DF}">
-                <a14:hiddenLine xmlns="" xmlns:a14="http://schemas.microsoft.com/office/drawing/2010/main" w="9525">
+                <a14:hiddenLine xmlns:a14="http://schemas.microsoft.com/office/drawing/2010/main" xmlns="" w="9525">
                   <a:solidFill>
                     <a:srgbClr val="000000"/>
                   </a:solidFill>
@@ -3768,7 +3760,7 @@
             </a:ln>
             <a:extLst>
               <a:ext uri="{91240B29-F687-4f45-9708-019B960494DF}">
-                <a14:hiddenLine xmlns="" xmlns:a14="http://schemas.microsoft.com/office/drawing/2010/main" w="9525">
+                <a14:hiddenLine xmlns:a14="http://schemas.microsoft.com/office/drawing/2010/main" xmlns="" w="9525">
                   <a:solidFill>
                     <a:srgbClr val="000000"/>
                   </a:solidFill>
@@ -3833,7 +3825,7 @@
             </a:ln>
             <a:extLst>
               <a:ext uri="{91240B29-F687-4f45-9708-019B960494DF}">
-                <a14:hiddenLine xmlns="" xmlns:a14="http://schemas.microsoft.com/office/drawing/2010/main" w="9525">
+                <a14:hiddenLine xmlns:a14="http://schemas.microsoft.com/office/drawing/2010/main" xmlns="" w="9525">
                   <a:solidFill>
                     <a:srgbClr val="000000"/>
                   </a:solidFill>
@@ -3923,7 +3915,7 @@
             </a:ln>
             <a:extLst>
               <a:ext uri="{91240B29-F687-4f45-9708-019B960494DF}">
-                <a14:hiddenLine xmlns="" xmlns:a14="http://schemas.microsoft.com/office/drawing/2010/main" w="9525">
+                <a14:hiddenLine xmlns:a14="http://schemas.microsoft.com/office/drawing/2010/main" xmlns="" w="9525">
                   <a:solidFill>
                     <a:srgbClr val="000000"/>
                   </a:solidFill>
@@ -3985,7 +3977,7 @@
             </a:ln>
             <a:extLst>
               <a:ext uri="{91240B29-F687-4f45-9708-019B960494DF}">
-                <a14:hiddenLine xmlns="" xmlns:a14="http://schemas.microsoft.com/office/drawing/2010/main" w="9525">
+                <a14:hiddenLine xmlns:a14="http://schemas.microsoft.com/office/drawing/2010/main" xmlns="" w="9525">
                   <a:solidFill>
                     <a:srgbClr val="000000"/>
                   </a:solidFill>
@@ -4075,7 +4067,7 @@
             </a:ln>
             <a:extLst>
               <a:ext uri="{91240B29-F687-4f45-9708-019B960494DF}">
-                <a14:hiddenLine xmlns="" xmlns:a14="http://schemas.microsoft.com/office/drawing/2010/main" w="9525">
+                <a14:hiddenLine xmlns:a14="http://schemas.microsoft.com/office/drawing/2010/main" xmlns="" w="9525">
                   <a:solidFill>
                     <a:srgbClr val="000000"/>
                   </a:solidFill>
@@ -4165,7 +4157,7 @@
             </a:ln>
             <a:extLst>
               <a:ext uri="{91240B29-F687-4f45-9708-019B960494DF}">
-                <a14:hiddenLine xmlns="" xmlns:a14="http://schemas.microsoft.com/office/drawing/2010/main" w="9525">
+                <a14:hiddenLine xmlns:a14="http://schemas.microsoft.com/office/drawing/2010/main" xmlns="" w="9525">
                   <a:solidFill>
                     <a:srgbClr val="000000"/>
                   </a:solidFill>
@@ -4230,7 +4222,7 @@
             </a:ln>
             <a:extLst>
               <a:ext uri="{91240B29-F687-4f45-9708-019B960494DF}">
-                <a14:hiddenLine xmlns="" xmlns:a14="http://schemas.microsoft.com/office/drawing/2010/main" w="9525">
+                <a14:hiddenLine xmlns:a14="http://schemas.microsoft.com/office/drawing/2010/main" xmlns="" w="9525">
                   <a:solidFill>
                     <a:srgbClr val="000000"/>
                   </a:solidFill>
@@ -4292,7 +4284,7 @@
             </a:ln>
             <a:extLst>
               <a:ext uri="{91240B29-F687-4f45-9708-019B960494DF}">
-                <a14:hiddenLine xmlns="" xmlns:a14="http://schemas.microsoft.com/office/drawing/2010/main" w="9525">
+                <a14:hiddenLine xmlns:a14="http://schemas.microsoft.com/office/drawing/2010/main" xmlns="" w="9525">
                   <a:solidFill>
                     <a:srgbClr val="000000"/>
                   </a:solidFill>
@@ -4382,7 +4374,7 @@
             </a:ln>
             <a:extLst>
               <a:ext uri="{91240B29-F687-4f45-9708-019B960494DF}">
-                <a14:hiddenLine xmlns="" xmlns:a14="http://schemas.microsoft.com/office/drawing/2010/main" w="9525">
+                <a14:hiddenLine xmlns:a14="http://schemas.microsoft.com/office/drawing/2010/main" xmlns="" w="9525">
                   <a:solidFill>
                     <a:srgbClr val="000000"/>
                   </a:solidFill>
@@ -4472,7 +4464,7 @@
             </a:ln>
             <a:extLst>
               <a:ext uri="{91240B29-F687-4f45-9708-019B960494DF}">
-                <a14:hiddenLine xmlns="" xmlns:a14="http://schemas.microsoft.com/office/drawing/2010/main" w="9525">
+                <a14:hiddenLine xmlns:a14="http://schemas.microsoft.com/office/drawing/2010/main" xmlns="" w="9525">
                   <a:solidFill>
                     <a:srgbClr val="000000"/>
                   </a:solidFill>
@@ -4534,7 +4526,7 @@
             </a:ln>
             <a:extLst>
               <a:ext uri="{91240B29-F687-4f45-9708-019B960494DF}">
-                <a14:hiddenLine xmlns="" xmlns:a14="http://schemas.microsoft.com/office/drawing/2010/main" w="9525">
+                <a14:hiddenLine xmlns:a14="http://schemas.microsoft.com/office/drawing/2010/main" xmlns="" w="9525">
                   <a:solidFill>
                     <a:srgbClr val="000000"/>
                   </a:solidFill>
@@ -4654,7 +4646,7 @@
             </a:ln>
             <a:extLst>
               <a:ext uri="{91240B29-F687-4f45-9708-019B960494DF}">
-                <a14:hiddenLine xmlns="" xmlns:a14="http://schemas.microsoft.com/office/drawing/2010/main" w="9525">
+                <a14:hiddenLine xmlns:a14="http://schemas.microsoft.com/office/drawing/2010/main" xmlns="" w="9525">
                   <a:solidFill>
                     <a:srgbClr val="000000"/>
                   </a:solidFill>
@@ -4722,7 +4714,7 @@
             </a:ln>
             <a:extLst>
               <a:ext uri="{91240B29-F687-4f45-9708-019B960494DF}">
-                <a14:hiddenLine xmlns="" xmlns:a14="http://schemas.microsoft.com/office/drawing/2010/main" w="9525">
+                <a14:hiddenLine xmlns:a14="http://schemas.microsoft.com/office/drawing/2010/main" xmlns="" w="9525">
                   <a:solidFill>
                     <a:srgbClr val="000000"/>
                   </a:solidFill>
@@ -4812,7 +4804,7 @@
             </a:ln>
             <a:extLst>
               <a:ext uri="{91240B29-F687-4f45-9708-019B960494DF}">
-                <a14:hiddenLine xmlns="" xmlns:a14="http://schemas.microsoft.com/office/drawing/2010/main" w="9525">
+                <a14:hiddenLine xmlns:a14="http://schemas.microsoft.com/office/drawing/2010/main" xmlns="" w="9525">
                   <a:solidFill>
                     <a:srgbClr val="000000"/>
                   </a:solidFill>
@@ -4952,7 +4944,7 @@
           <a:p>
             <a:fld id="{48A87A34-81AB-432B-8DAE-1953F412C126}" type="datetimeFigureOut">
               <a:rPr lang="en-US" dirty="0"/>
-              <a:t>2/20/2018</a:t>
+              <a:t>2/21/2018</a:t>
             </a:fld>
             <a:endParaRPr lang="en-US"/>
           </a:p>
@@ -5214,7 +5206,7 @@
           <a:p>
             <a:fld id="{48A87A34-81AB-432B-8DAE-1953F412C126}" type="datetimeFigureOut">
               <a:rPr lang="en-US" dirty="0"/>
-              <a:t>2/20/2018</a:t>
+              <a:t>2/21/2018</a:t>
             </a:fld>
             <a:endParaRPr lang="en-US"/>
           </a:p>
@@ -5405,7 +5397,7 @@
           <a:p>
             <a:fld id="{48A87A34-81AB-432B-8DAE-1953F412C126}" type="datetimeFigureOut">
               <a:rPr lang="en-US" dirty="0"/>
-              <a:t>2/20/2018</a:t>
+              <a:t>2/21/2018</a:t>
             </a:fld>
             <a:endParaRPr lang="en-US"/>
           </a:p>
@@ -5663,7 +5655,7 @@
           <a:p>
             <a:fld id="{48A87A34-81AB-432B-8DAE-1953F412C126}" type="datetimeFigureOut">
               <a:rPr lang="en-US" dirty="0"/>
-              <a:t>2/20/2018</a:t>
+              <a:t>2/21/2018</a:t>
             </a:fld>
             <a:endParaRPr lang="en-US"/>
           </a:p>
@@ -6092,7 +6084,7 @@
           <a:p>
             <a:fld id="{48A87A34-81AB-432B-8DAE-1953F412C126}" type="datetimeFigureOut">
               <a:rPr lang="en-US" dirty="0"/>
-              <a:t>2/20/2018</a:t>
+              <a:t>2/21/2018</a:t>
             </a:fld>
             <a:endParaRPr lang="en-US"/>
           </a:p>
@@ -6633,7 +6625,7 @@
           <a:p>
             <a:fld id="{48A87A34-81AB-432B-8DAE-1953F412C126}" type="datetimeFigureOut">
               <a:rPr lang="en-US" dirty="0"/>
-              <a:t>2/20/2018</a:t>
+              <a:t>2/21/2018</a:t>
             </a:fld>
             <a:endParaRPr lang="en-US"/>
           </a:p>
@@ -7348,7 +7340,7 @@
           <a:p>
             <a:fld id="{48A87A34-81AB-432B-8DAE-1953F412C126}" type="datetimeFigureOut">
               <a:rPr lang="en-US" dirty="0"/>
-              <a:t>2/20/2018</a:t>
+              <a:t>2/21/2018</a:t>
             </a:fld>
             <a:endParaRPr lang="en-US"/>
           </a:p>
@@ -7513,7 +7505,7 @@
           <a:p>
             <a:fld id="{48A87A34-81AB-432B-8DAE-1953F412C126}" type="datetimeFigureOut">
               <a:rPr lang="en-US" dirty="0"/>
-              <a:t>2/20/2018</a:t>
+              <a:t>2/21/2018</a:t>
             </a:fld>
             <a:endParaRPr lang="en-US"/>
           </a:p>
@@ -7688,7 +7680,7 @@
           <a:p>
             <a:fld id="{48A87A34-81AB-432B-8DAE-1953F412C126}" type="datetimeFigureOut">
               <a:rPr lang="en-US" dirty="0"/>
-              <a:t>2/20/2018</a:t>
+              <a:t>2/21/2018</a:t>
             </a:fld>
             <a:endParaRPr lang="en-US"/>
           </a:p>
@@ -7853,7 +7845,7 @@
           <a:p>
             <a:fld id="{48A87A34-81AB-432B-8DAE-1953F412C126}" type="datetimeFigureOut">
               <a:rPr lang="en-US" dirty="0"/>
-              <a:t>2/20/2018</a:t>
+              <a:t>2/21/2018</a:t>
             </a:fld>
             <a:endParaRPr lang="en-US"/>
           </a:p>
@@ -8098,7 +8090,7 @@
           <a:p>
             <a:fld id="{48A87A34-81AB-432B-8DAE-1953F412C126}" type="datetimeFigureOut">
               <a:rPr lang="en-US" dirty="0"/>
-              <a:t>2/20/2018</a:t>
+              <a:t>2/21/2018</a:t>
             </a:fld>
             <a:endParaRPr lang="en-US"/>
           </a:p>
@@ -8325,7 +8317,7 @@
           <a:p>
             <a:fld id="{48A87A34-81AB-432B-8DAE-1953F412C126}" type="datetimeFigureOut">
               <a:rPr lang="en-US" dirty="0"/>
-              <a:t>2/20/2018</a:t>
+              <a:t>2/21/2018</a:t>
             </a:fld>
             <a:endParaRPr lang="en-US"/>
           </a:p>
@@ -8701,7 +8693,7 @@
           <a:p>
             <a:fld id="{48A87A34-81AB-432B-8DAE-1953F412C126}" type="datetimeFigureOut">
               <a:rPr lang="en-US" dirty="0"/>
-              <a:t>2/20/2018</a:t>
+              <a:t>2/21/2018</a:t>
             </a:fld>
             <a:endParaRPr lang="en-US"/>
           </a:p>
@@ -8814,7 +8806,7 @@
           <a:p>
             <a:fld id="{48A87A34-81AB-432B-8DAE-1953F412C126}" type="datetimeFigureOut">
               <a:rPr lang="en-US" dirty="0"/>
-              <a:t>2/20/2018</a:t>
+              <a:t>2/21/2018</a:t>
             </a:fld>
             <a:endParaRPr lang="en-US"/>
           </a:p>
@@ -8904,7 +8896,7 @@
           <a:p>
             <a:fld id="{48A87A34-81AB-432B-8DAE-1953F412C126}" type="datetimeFigureOut">
               <a:rPr lang="en-US" dirty="0"/>
-              <a:t>2/20/2018</a:t>
+              <a:t>2/21/2018</a:t>
             </a:fld>
             <a:endParaRPr lang="en-US"/>
           </a:p>
@@ -9148,7 +9140,7 @@
           <a:p>
             <a:fld id="{48A87A34-81AB-432B-8DAE-1953F412C126}" type="datetimeFigureOut">
               <a:rPr lang="en-US" dirty="0"/>
-              <a:t>2/20/2018</a:t>
+              <a:t>2/21/2018</a:t>
             </a:fld>
             <a:endParaRPr lang="en-US"/>
           </a:p>
@@ -9423,7 +9415,7 @@
           <a:p>
             <a:fld id="{48A87A34-81AB-432B-8DAE-1953F412C126}" type="datetimeFigureOut">
               <a:rPr lang="en-US" dirty="0"/>
-              <a:t>2/20/2018</a:t>
+              <a:t>2/21/2018</a:t>
             </a:fld>
             <a:endParaRPr lang="en-US"/>
           </a:p>
@@ -9534,7 +9526,7 @@
           <a:noFill/>
           <a:extLst>
             <a:ext uri="{909E8E84-426E-40dd-AFC4-6F175D3DCCD1}">
-              <a14:hiddenFill xmlns="" xmlns:a14="http://schemas.microsoft.com/office/drawing/2010/main">
+              <a14:hiddenFill xmlns:a14="http://schemas.microsoft.com/office/drawing/2010/main" xmlns="">
                 <a:solidFill>
                   <a:srgbClr val="FFFFFF"/>
                 </a:solidFill>
@@ -9608,7 +9600,7 @@
               </a:ln>
               <a:extLst>
                 <a:ext uri="{91240B29-F687-4f45-9708-019B960494DF}">
-                  <a14:hiddenLine xmlns="" xmlns:a14="http://schemas.microsoft.com/office/drawing/2010/main" w="9525">
+                  <a14:hiddenLine xmlns:a14="http://schemas.microsoft.com/office/drawing/2010/main" xmlns="" w="9525">
                     <a:solidFill>
                       <a:srgbClr val="000000"/>
                     </a:solidFill>
@@ -9698,7 +9690,7 @@
               </a:ln>
               <a:extLst>
                 <a:ext uri="{91240B29-F687-4f45-9708-019B960494DF}">
-                  <a14:hiddenLine xmlns="" xmlns:a14="http://schemas.microsoft.com/office/drawing/2010/main" w="9525">
+                  <a14:hiddenLine xmlns:a14="http://schemas.microsoft.com/office/drawing/2010/main" xmlns="" w="9525">
                     <a:solidFill>
                       <a:srgbClr val="000000"/>
                     </a:solidFill>
@@ -9788,7 +9780,7 @@
               </a:ln>
               <a:extLst>
                 <a:ext uri="{91240B29-F687-4f45-9708-019B960494DF}">
-                  <a14:hiddenLine xmlns="" xmlns:a14="http://schemas.microsoft.com/office/drawing/2010/main" w="9525">
+                  <a14:hiddenLine xmlns:a14="http://schemas.microsoft.com/office/drawing/2010/main" xmlns="" w="9525">
                     <a:solidFill>
                       <a:srgbClr val="000000"/>
                     </a:solidFill>
@@ -9850,7 +9842,7 @@
               </a:ln>
               <a:extLst>
                 <a:ext uri="{91240B29-F687-4f45-9708-019B960494DF}">
-                  <a14:hiddenLine xmlns="" xmlns:a14="http://schemas.microsoft.com/office/drawing/2010/main" w="9525">
+                  <a14:hiddenLine xmlns:a14="http://schemas.microsoft.com/office/drawing/2010/main" xmlns="" w="9525">
                     <a:solidFill>
                       <a:srgbClr val="000000"/>
                     </a:solidFill>
@@ -9940,7 +9932,7 @@
               </a:ln>
               <a:extLst>
                 <a:ext uri="{91240B29-F687-4f45-9708-019B960494DF}">
-                  <a14:hiddenLine xmlns="" xmlns:a14="http://schemas.microsoft.com/office/drawing/2010/main" w="9525">
+                  <a14:hiddenLine xmlns:a14="http://schemas.microsoft.com/office/drawing/2010/main" xmlns="" w="9525">
                     <a:solidFill>
                       <a:srgbClr val="000000"/>
                     </a:solidFill>
@@ -10002,7 +9994,7 @@
               </a:ln>
               <a:extLst>
                 <a:ext uri="{91240B29-F687-4f45-9708-019B960494DF}">
-                  <a14:hiddenLine xmlns="" xmlns:a14="http://schemas.microsoft.com/office/drawing/2010/main" w="9525">
+                  <a14:hiddenLine xmlns:a14="http://schemas.microsoft.com/office/drawing/2010/main" xmlns="" w="9525">
                     <a:solidFill>
                       <a:srgbClr val="000000"/>
                     </a:solidFill>
@@ -10064,7 +10056,7 @@
               </a:ln>
               <a:extLst>
                 <a:ext uri="{91240B29-F687-4f45-9708-019B960494DF}">
-                  <a14:hiddenLine xmlns="" xmlns:a14="http://schemas.microsoft.com/office/drawing/2010/main" w="9525">
+                  <a14:hiddenLine xmlns:a14="http://schemas.microsoft.com/office/drawing/2010/main" xmlns="" w="9525">
                     <a:solidFill>
                       <a:srgbClr val="000000"/>
                     </a:solidFill>
@@ -10154,7 +10146,7 @@
               </a:ln>
               <a:extLst>
                 <a:ext uri="{91240B29-F687-4f45-9708-019B960494DF}">
-                  <a14:hiddenLine xmlns="" xmlns:a14="http://schemas.microsoft.com/office/drawing/2010/main" w="9525">
+                  <a14:hiddenLine xmlns:a14="http://schemas.microsoft.com/office/drawing/2010/main" xmlns="" w="9525">
                     <a:solidFill>
                       <a:srgbClr val="000000"/>
                     </a:solidFill>
@@ -10244,7 +10236,7 @@
               </a:ln>
               <a:extLst>
                 <a:ext uri="{91240B29-F687-4f45-9708-019B960494DF}">
-                  <a14:hiddenLine xmlns="" xmlns:a14="http://schemas.microsoft.com/office/drawing/2010/main" w="9525">
+                  <a14:hiddenLine xmlns:a14="http://schemas.microsoft.com/office/drawing/2010/main" xmlns="" w="9525">
                     <a:solidFill>
                       <a:srgbClr val="000000"/>
                     </a:solidFill>
@@ -10306,7 +10298,7 @@
               </a:ln>
               <a:extLst>
                 <a:ext uri="{91240B29-F687-4f45-9708-019B960494DF}">
-                  <a14:hiddenLine xmlns="" xmlns:a14="http://schemas.microsoft.com/office/drawing/2010/main" w="9525">
+                  <a14:hiddenLine xmlns:a14="http://schemas.microsoft.com/office/drawing/2010/main" xmlns="" w="9525">
                     <a:solidFill>
                       <a:srgbClr val="000000"/>
                     </a:solidFill>
@@ -10416,7 +10408,7 @@
               </a:ln>
               <a:extLst>
                 <a:ext uri="{91240B29-F687-4f45-9708-019B960494DF}">
-                  <a14:hiddenLine xmlns="" xmlns:a14="http://schemas.microsoft.com/office/drawing/2010/main" w="9525">
+                  <a14:hiddenLine xmlns:a14="http://schemas.microsoft.com/office/drawing/2010/main" xmlns="" w="9525">
                     <a:solidFill>
                       <a:srgbClr val="000000"/>
                     </a:solidFill>
@@ -10500,7 +10492,7 @@
               </a:ln>
               <a:extLst>
                 <a:ext uri="{91240B29-F687-4f45-9708-019B960494DF}">
-                  <a14:hiddenLine xmlns="" xmlns:a14="http://schemas.microsoft.com/office/drawing/2010/main" w="9525">
+                  <a14:hiddenLine xmlns:a14="http://schemas.microsoft.com/office/drawing/2010/main" xmlns="" w="9525">
                     <a:solidFill>
                       <a:srgbClr val="000000"/>
                     </a:solidFill>
@@ -10562,7 +10554,7 @@
               </a:ln>
               <a:extLst>
                 <a:ext uri="{91240B29-F687-4f45-9708-019B960494DF}">
-                  <a14:hiddenLine xmlns="" xmlns:a14="http://schemas.microsoft.com/office/drawing/2010/main" w="9525">
+                  <a14:hiddenLine xmlns:a14="http://schemas.microsoft.com/office/drawing/2010/main" xmlns="" w="9525">
                     <a:solidFill>
                       <a:srgbClr val="000000"/>
                     </a:solidFill>
@@ -10624,7 +10616,7 @@
               </a:ln>
               <a:extLst>
                 <a:ext uri="{91240B29-F687-4f45-9708-019B960494DF}">
-                  <a14:hiddenLine xmlns="" xmlns:a14="http://schemas.microsoft.com/office/drawing/2010/main" w="9525">
+                  <a14:hiddenLine xmlns:a14="http://schemas.microsoft.com/office/drawing/2010/main" xmlns="" w="9525">
                     <a:solidFill>
                       <a:srgbClr val="000000"/>
                     </a:solidFill>
@@ -10714,7 +10706,7 @@
               </a:ln>
               <a:extLst>
                 <a:ext uri="{91240B29-F687-4f45-9708-019B960494DF}">
-                  <a14:hiddenLine xmlns="" xmlns:a14="http://schemas.microsoft.com/office/drawing/2010/main" w="9525">
+                  <a14:hiddenLine xmlns:a14="http://schemas.microsoft.com/office/drawing/2010/main" xmlns="" w="9525">
                     <a:solidFill>
                       <a:srgbClr val="000000"/>
                     </a:solidFill>
@@ -10748,7 +10740,7 @@
               </a:ln>
               <a:extLst>
                 <a:ext uri="{91240B29-F687-4f45-9708-019B960494DF}">
-                  <a14:hiddenLine xmlns="" xmlns:a14="http://schemas.microsoft.com/office/drawing/2010/main" w="9525">
+                  <a14:hiddenLine xmlns:a14="http://schemas.microsoft.com/office/drawing/2010/main" xmlns="" w="9525">
                     <a:solidFill>
                       <a:srgbClr val="000000"/>
                     </a:solidFill>
@@ -10813,7 +10805,7 @@
               </a:ln>
               <a:extLst>
                 <a:ext uri="{91240B29-F687-4f45-9708-019B960494DF}">
-                  <a14:hiddenLine xmlns="" xmlns:a14="http://schemas.microsoft.com/office/drawing/2010/main" w="9525">
+                  <a14:hiddenLine xmlns:a14="http://schemas.microsoft.com/office/drawing/2010/main" xmlns="" w="9525">
                     <a:solidFill>
                       <a:srgbClr val="000000"/>
                     </a:solidFill>
@@ -10903,7 +10895,7 @@
               </a:ln>
               <a:extLst>
                 <a:ext uri="{91240B29-F687-4f45-9708-019B960494DF}">
-                  <a14:hiddenLine xmlns="" xmlns:a14="http://schemas.microsoft.com/office/drawing/2010/main" w="9525">
+                  <a14:hiddenLine xmlns:a14="http://schemas.microsoft.com/office/drawing/2010/main" xmlns="" w="9525">
                     <a:solidFill>
                       <a:srgbClr val="000000"/>
                     </a:solidFill>
@@ -10965,7 +10957,7 @@
               </a:ln>
               <a:extLst>
                 <a:ext uri="{91240B29-F687-4f45-9708-019B960494DF}">
-                  <a14:hiddenLine xmlns="" xmlns:a14="http://schemas.microsoft.com/office/drawing/2010/main" w="9525">
+                  <a14:hiddenLine xmlns:a14="http://schemas.microsoft.com/office/drawing/2010/main" xmlns="" w="9525">
                     <a:solidFill>
                       <a:srgbClr val="000000"/>
                     </a:solidFill>
@@ -11055,7 +11047,7 @@
               </a:ln>
               <a:extLst>
                 <a:ext uri="{91240B29-F687-4f45-9708-019B960494DF}">
-                  <a14:hiddenLine xmlns="" xmlns:a14="http://schemas.microsoft.com/office/drawing/2010/main" w="9525">
+                  <a14:hiddenLine xmlns:a14="http://schemas.microsoft.com/office/drawing/2010/main" xmlns="" w="9525">
                     <a:solidFill>
                       <a:srgbClr val="000000"/>
                     </a:solidFill>
@@ -11120,7 +11112,7 @@
               </a:ln>
               <a:extLst>
                 <a:ext uri="{91240B29-F687-4f45-9708-019B960494DF}">
-                  <a14:hiddenLine xmlns="" xmlns:a14="http://schemas.microsoft.com/office/drawing/2010/main" w="9525">
+                  <a14:hiddenLine xmlns:a14="http://schemas.microsoft.com/office/drawing/2010/main" xmlns="" w="9525">
                     <a:solidFill>
                       <a:srgbClr val="000000"/>
                     </a:solidFill>
@@ -11182,7 +11174,7 @@
               </a:ln>
               <a:extLst>
                 <a:ext uri="{91240B29-F687-4f45-9708-019B960494DF}">
-                  <a14:hiddenLine xmlns="" xmlns:a14="http://schemas.microsoft.com/office/drawing/2010/main" w="9525">
+                  <a14:hiddenLine xmlns:a14="http://schemas.microsoft.com/office/drawing/2010/main" xmlns="" w="9525">
                     <a:solidFill>
                       <a:srgbClr val="000000"/>
                     </a:solidFill>
@@ -11272,7 +11264,7 @@
               </a:ln>
               <a:extLst>
                 <a:ext uri="{91240B29-F687-4f45-9708-019B960494DF}">
-                  <a14:hiddenLine xmlns="" xmlns:a14="http://schemas.microsoft.com/office/drawing/2010/main" w="9525">
+                  <a14:hiddenLine xmlns:a14="http://schemas.microsoft.com/office/drawing/2010/main" xmlns="" w="9525">
                     <a:solidFill>
                       <a:srgbClr val="000000"/>
                     </a:solidFill>
@@ -11362,7 +11354,7 @@
               </a:ln>
               <a:extLst>
                 <a:ext uri="{91240B29-F687-4f45-9708-019B960494DF}">
-                  <a14:hiddenLine xmlns="" xmlns:a14="http://schemas.microsoft.com/office/drawing/2010/main" w="9525">
+                  <a14:hiddenLine xmlns:a14="http://schemas.microsoft.com/office/drawing/2010/main" xmlns="" w="9525">
                     <a:solidFill>
                       <a:srgbClr val="000000"/>
                     </a:solidFill>
@@ -11427,7 +11419,7 @@
               </a:ln>
               <a:extLst>
                 <a:ext uri="{91240B29-F687-4f45-9708-019B960494DF}">
-                  <a14:hiddenLine xmlns="" xmlns:a14="http://schemas.microsoft.com/office/drawing/2010/main" w="9525">
+                  <a14:hiddenLine xmlns:a14="http://schemas.microsoft.com/office/drawing/2010/main" xmlns="" w="9525">
                     <a:solidFill>
                       <a:srgbClr val="000000"/>
                     </a:solidFill>
@@ -11547,7 +11539,7 @@
               </a:ln>
               <a:extLst>
                 <a:ext uri="{91240B29-F687-4f45-9708-019B960494DF}">
-                  <a14:hiddenLine xmlns="" xmlns:a14="http://schemas.microsoft.com/office/drawing/2010/main" w="9525">
+                  <a14:hiddenLine xmlns:a14="http://schemas.microsoft.com/office/drawing/2010/main" xmlns="" w="9525">
                     <a:solidFill>
                       <a:srgbClr val="000000"/>
                     </a:solidFill>
@@ -11645,7 +11637,7 @@
               </a:ln>
               <a:extLst>
                 <a:ext uri="{91240B29-F687-4f45-9708-019B960494DF}">
-                  <a14:hiddenLine xmlns="" xmlns:a14="http://schemas.microsoft.com/office/drawing/2010/main" w="9525">
+                  <a14:hiddenLine xmlns:a14="http://schemas.microsoft.com/office/drawing/2010/main" xmlns="" w="9525">
                     <a:solidFill>
                       <a:srgbClr val="000000"/>
                     </a:solidFill>
@@ -11760,7 +11752,7 @@
               </a:ln>
               <a:extLst>
                 <a:ext uri="{91240B29-F687-4f45-9708-019B960494DF}">
-                  <a14:hiddenLine xmlns="" xmlns:a14="http://schemas.microsoft.com/office/drawing/2010/main" w="9525">
+                  <a14:hiddenLine xmlns:a14="http://schemas.microsoft.com/office/drawing/2010/main" xmlns="" w="9525">
                     <a:solidFill>
                       <a:srgbClr val="000000"/>
                     </a:solidFill>
@@ -11850,7 +11842,7 @@
               </a:ln>
               <a:extLst>
                 <a:ext uri="{91240B29-F687-4f45-9708-019B960494DF}">
-                  <a14:hiddenLine xmlns="" xmlns:a14="http://schemas.microsoft.com/office/drawing/2010/main" w="9525">
+                  <a14:hiddenLine xmlns:a14="http://schemas.microsoft.com/office/drawing/2010/main" xmlns="" w="9525">
                     <a:solidFill>
                       <a:srgbClr val="000000"/>
                     </a:solidFill>
@@ -11915,7 +11907,7 @@
               </a:ln>
               <a:extLst>
                 <a:ext uri="{91240B29-F687-4f45-9708-019B960494DF}">
-                  <a14:hiddenLine xmlns="" xmlns:a14="http://schemas.microsoft.com/office/drawing/2010/main" w="9525">
+                  <a14:hiddenLine xmlns:a14="http://schemas.microsoft.com/office/drawing/2010/main" xmlns="" w="9525">
                     <a:solidFill>
                       <a:srgbClr val="000000"/>
                     </a:solidFill>
@@ -12005,7 +11997,7 @@
               </a:ln>
               <a:extLst>
                 <a:ext uri="{91240B29-F687-4f45-9708-019B960494DF}">
-                  <a14:hiddenLine xmlns="" xmlns:a14="http://schemas.microsoft.com/office/drawing/2010/main" w="9525">
+                  <a14:hiddenLine xmlns:a14="http://schemas.microsoft.com/office/drawing/2010/main" xmlns="" w="9525">
                     <a:solidFill>
                       <a:srgbClr val="000000"/>
                     </a:solidFill>
@@ -12073,7 +12065,7 @@
               </a:ln>
               <a:extLst>
                 <a:ext uri="{91240B29-F687-4f45-9708-019B960494DF}">
-                  <a14:hiddenLine xmlns="" xmlns:a14="http://schemas.microsoft.com/office/drawing/2010/main" w="9525">
+                  <a14:hiddenLine xmlns:a14="http://schemas.microsoft.com/office/drawing/2010/main" xmlns="" w="9525">
                     <a:solidFill>
                       <a:srgbClr val="000000"/>
                     </a:solidFill>
@@ -12163,7 +12155,7 @@
               </a:ln>
               <a:extLst>
                 <a:ext uri="{91240B29-F687-4f45-9708-019B960494DF}">
-                  <a14:hiddenLine xmlns="" xmlns:a14="http://schemas.microsoft.com/office/drawing/2010/main" w="9525">
+                  <a14:hiddenLine xmlns:a14="http://schemas.microsoft.com/office/drawing/2010/main" xmlns="" w="9525">
                     <a:solidFill>
                       <a:srgbClr val="000000"/>
                     </a:solidFill>
@@ -12231,7 +12223,7 @@
               </a:ln>
               <a:extLst>
                 <a:ext uri="{91240B29-F687-4f45-9708-019B960494DF}">
-                  <a14:hiddenLine xmlns="" xmlns:a14="http://schemas.microsoft.com/office/drawing/2010/main" w="9525">
+                  <a14:hiddenLine xmlns:a14="http://schemas.microsoft.com/office/drawing/2010/main" xmlns="" w="9525">
                     <a:solidFill>
                       <a:srgbClr val="000000"/>
                     </a:solidFill>
@@ -12321,7 +12313,7 @@
               </a:ln>
               <a:extLst>
                 <a:ext uri="{91240B29-F687-4f45-9708-019B960494DF}">
-                  <a14:hiddenLine xmlns="" xmlns:a14="http://schemas.microsoft.com/office/drawing/2010/main" w="9525">
+                  <a14:hiddenLine xmlns:a14="http://schemas.microsoft.com/office/drawing/2010/main" xmlns="" w="9525">
                     <a:solidFill>
                       <a:srgbClr val="000000"/>
                     </a:solidFill>
@@ -12355,7 +12347,7 @@
               </a:ln>
               <a:extLst>
                 <a:ext uri="{91240B29-F687-4f45-9708-019B960494DF}">
-                  <a14:hiddenLine xmlns="" xmlns:a14="http://schemas.microsoft.com/office/drawing/2010/main" w="9525">
+                  <a14:hiddenLine xmlns:a14="http://schemas.microsoft.com/office/drawing/2010/main" xmlns="" w="9525">
                     <a:solidFill>
                       <a:srgbClr val="000000"/>
                     </a:solidFill>
@@ -12496,7 +12488,7 @@
             <a:fld id="{48A87A34-81AB-432B-8DAE-1953F412C126}" type="datetimeFigureOut">
               <a:rPr lang="en-US" dirty="0"/>
               <a:pPr/>
-              <a:t>2/20/2018</a:t>
+              <a:t>2/21/2018</a:t>
             </a:fld>
             <a:endParaRPr lang="en-US"/>
           </a:p>
@@ -13179,7 +13171,12 @@
             <p:ph type="title"/>
           </p:nvPr>
         </p:nvSpPr>
-        <p:spPr/>
+        <p:spPr>
+          <a:xfrm>
+            <a:off x="1141412" y="0"/>
+            <a:ext cx="11050588" cy="1478570"/>
+          </a:xfrm>
+        </p:spPr>
         <p:txBody>
           <a:bodyPr/>
           <a:lstStyle/>
@@ -13306,48 +13303,61 @@
       </p:grpSpPr>
       <p:sp>
         <p:nvSpPr>
-          <p:cNvPr id="2" name="Otsikko 1">
+          <p:cNvPr id="12" name="Suorakulmio 11">
             <a:extLst>
               <a:ext uri="{FF2B5EF4-FFF2-40B4-BE49-F238E27FC236}">
-                <a16:creationId xmlns:a16="http://schemas.microsoft.com/office/drawing/2014/main" id="{BA0E55D9-1ABD-4BC1-A562-BF87AA31B752}"/>
+                <a16:creationId xmlns:a16="http://schemas.microsoft.com/office/drawing/2014/main" id="{AA20D984-E85B-470B-9766-2EF8695A3891}"/>
               </a:ext>
             </a:extLst>
           </p:cNvPr>
-          <p:cNvSpPr>
-            <a:spLocks noGrp="1"/>
-          </p:cNvSpPr>
-          <p:nvPr>
-            <p:ph type="title"/>
-          </p:nvPr>
+          <p:cNvSpPr/>
+          <p:nvPr/>
         </p:nvSpPr>
         <p:spPr>
           <a:xfrm>
-            <a:off x="1143001" y="0"/>
-            <a:ext cx="9905998" cy="1328057"/>
+            <a:off x="731519" y="285135"/>
+            <a:ext cx="10700825" cy="5999759"/>
           </a:xfrm>
+          <a:prstGeom prst="rect">
+            <a:avLst/>
+          </a:prstGeom>
+          <a:solidFill>
+            <a:srgbClr val="3C4FDE">
+              <a:alpha val="20000"/>
+            </a:srgbClr>
+          </a:solidFill>
         </p:spPr>
+        <p:style>
+          <a:lnRef idx="2">
+            <a:schemeClr val="accent1">
+              <a:shade val="50000"/>
+            </a:schemeClr>
+          </a:lnRef>
+          <a:fillRef idx="1">
+            <a:schemeClr val="accent1"/>
+          </a:fillRef>
+          <a:effectRef idx="0">
+            <a:schemeClr val="accent1"/>
+          </a:effectRef>
+          <a:fontRef idx="minor">
+            <a:schemeClr val="lt1"/>
+          </a:fontRef>
+        </p:style>
         <p:txBody>
-          <a:bodyPr/>
+          <a:bodyPr rtlCol="0" anchor="ctr"/>
           <a:lstStyle/>
           <a:p>
-            <a:r>
-              <a:rPr lang="fi-FI" dirty="0"/>
-              <a:t>Sprint 1	</a:t>
-            </a:r>
-            <a:r>
-              <a:rPr lang="fi-FI" sz="2000" dirty="0"/>
-              <a:t>(17.-31.1.2018 – TOTEUTUNUT AIKATAULUSSA)</a:t>
-            </a:r>
-            <a:endParaRPr lang="en-US" dirty="0"/>
+            <a:pPr algn="ctr"/>
+            <a:endParaRPr lang="en-US"/>
           </a:p>
         </p:txBody>
       </p:sp>
       <p:pic>
         <p:nvPicPr>
-          <p:cNvPr id="8" name="Kuva 7">
+          <p:cNvPr id="6" name="Kuva 5">
             <a:extLst>
               <a:ext uri="{FF2B5EF4-FFF2-40B4-BE49-F238E27FC236}">
-                <a16:creationId xmlns:a16="http://schemas.microsoft.com/office/drawing/2014/main" id="{6DB17E23-216A-4F29-B81E-1196B5631438}"/>
+                <a16:creationId xmlns:a16="http://schemas.microsoft.com/office/drawing/2014/main" id="{20199BCD-6603-4E8D-8F95-9E0200535821}"/>
               </a:ext>
             </a:extLst>
           </p:cNvPr>
@@ -13364,14 +13374,73 @@
         </p:blipFill>
         <p:spPr>
           <a:xfrm>
-            <a:off x="1143000" y="1037535"/>
-            <a:ext cx="10060871" cy="5025808"/>
+            <a:off x="759655" y="664028"/>
+            <a:ext cx="10717612" cy="5435482"/>
           </a:xfrm>
           <a:prstGeom prst="rect">
             <a:avLst/>
           </a:prstGeom>
         </p:spPr>
       </p:pic>
+      <p:sp>
+        <p:nvSpPr>
+          <p:cNvPr id="10" name="Otsikko 1">
+            <a:extLst>
+              <a:ext uri="{FF2B5EF4-FFF2-40B4-BE49-F238E27FC236}">
+                <a16:creationId xmlns:a16="http://schemas.microsoft.com/office/drawing/2014/main" id="{32E69732-A8F6-44AE-981B-C743876E8D6C}"/>
+              </a:ext>
+            </a:extLst>
+          </p:cNvPr>
+          <p:cNvSpPr txBox="1">
+            <a:spLocks/>
+          </p:cNvSpPr>
+          <p:nvPr/>
+        </p:nvSpPr>
+        <p:spPr>
+          <a:xfrm>
+            <a:off x="1141412" y="0"/>
+            <a:ext cx="11050588" cy="1478570"/>
+          </a:xfrm>
+          <a:prstGeom prst="rect">
+            <a:avLst/>
+          </a:prstGeom>
+        </p:spPr>
+        <p:txBody>
+          <a:bodyPr vert="horz" lIns="91440" tIns="45720" rIns="91440" bIns="45720" rtlCol="0" anchor="ctr">
+            <a:normAutofit/>
+          </a:bodyPr>
+          <a:lstStyle>
+            <a:lvl1pPr algn="l" defTabSz="914400" rtl="0" eaLnBrk="1" latinLnBrk="0" hangingPunct="1">
+              <a:lnSpc>
+                <a:spcPct val="90000"/>
+              </a:lnSpc>
+              <a:spcBef>
+                <a:spcPct val="0"/>
+              </a:spcBef>
+              <a:buNone/>
+              <a:defRPr sz="3600" kern="1200" cap="all" baseline="0">
+                <a:solidFill>
+                  <a:schemeClr val="tx1"/>
+                </a:solidFill>
+                <a:latin typeface="+mj-lt"/>
+                <a:ea typeface="+mj-ea"/>
+                <a:cs typeface="+mj-cs"/>
+              </a:defRPr>
+            </a:lvl1pPr>
+          </a:lstStyle>
+          <a:p>
+            <a:r>
+              <a:rPr lang="fi-FI" dirty="0"/>
+              <a:t>Sprint 1	</a:t>
+            </a:r>
+            <a:r>
+              <a:rPr lang="fi-FI" sz="2000" dirty="0"/>
+              <a:t>(17.-31.1.2018 – TOTEUTUNUT AIKATAULUSSA)</a:t>
+            </a:r>
+            <a:endParaRPr lang="en-US" dirty="0"/>
+          </a:p>
+        </p:txBody>
+      </p:sp>
     </p:spTree>
     <p:extLst>
       <p:ext uri="{BB962C8B-B14F-4D97-AF65-F5344CB8AC3E}">
@@ -13418,7 +13487,12 @@
             <p:ph type="title"/>
           </p:nvPr>
         </p:nvSpPr>
-        <p:spPr/>
+        <p:spPr>
+          <a:xfrm>
+            <a:off x="1141412" y="0"/>
+            <a:ext cx="11050588" cy="1478570"/>
+          </a:xfrm>
+        </p:spPr>
         <p:txBody>
           <a:bodyPr/>
           <a:lstStyle/>
@@ -13610,48 +13684,61 @@
       </p:grpSpPr>
       <p:sp>
         <p:nvSpPr>
-          <p:cNvPr id="2" name="Otsikko 1">
+          <p:cNvPr id="9" name="Suorakulmio 8">
             <a:extLst>
               <a:ext uri="{FF2B5EF4-FFF2-40B4-BE49-F238E27FC236}">
-                <a16:creationId xmlns:a16="http://schemas.microsoft.com/office/drawing/2014/main" id="{3C460055-3D7A-4544-B450-EBFB70BD6701}"/>
+                <a16:creationId xmlns:a16="http://schemas.microsoft.com/office/drawing/2014/main" id="{C3EF0EAF-6520-4112-91CD-BFE35017D9F0}"/>
               </a:ext>
             </a:extLst>
           </p:cNvPr>
-          <p:cNvSpPr>
-            <a:spLocks noGrp="1"/>
-          </p:cNvSpPr>
-          <p:nvPr>
-            <p:ph type="title"/>
-          </p:nvPr>
+          <p:cNvSpPr/>
+          <p:nvPr/>
         </p:nvSpPr>
         <p:spPr>
           <a:xfrm>
-            <a:off x="1141413" y="0"/>
-            <a:ext cx="9905998" cy="1591861"/>
+            <a:off x="731520" y="285135"/>
+            <a:ext cx="10546080" cy="5999759"/>
           </a:xfrm>
+          <a:prstGeom prst="rect">
+            <a:avLst/>
+          </a:prstGeom>
+          <a:solidFill>
+            <a:srgbClr val="3C4FDE">
+              <a:alpha val="20000"/>
+            </a:srgbClr>
+          </a:solidFill>
         </p:spPr>
+        <p:style>
+          <a:lnRef idx="2">
+            <a:schemeClr val="accent1">
+              <a:shade val="50000"/>
+            </a:schemeClr>
+          </a:lnRef>
+          <a:fillRef idx="1">
+            <a:schemeClr val="accent1"/>
+          </a:fillRef>
+          <a:effectRef idx="0">
+            <a:schemeClr val="accent1"/>
+          </a:effectRef>
+          <a:fontRef idx="minor">
+            <a:schemeClr val="lt1"/>
+          </a:fontRef>
+        </p:style>
         <p:txBody>
-          <a:bodyPr/>
+          <a:bodyPr rtlCol="0" anchor="ctr"/>
           <a:lstStyle/>
           <a:p>
-            <a:r>
-              <a:rPr lang="fi-FI" dirty="0"/>
-              <a:t>Sprint 2  </a:t>
-            </a:r>
-            <a:r>
-              <a:rPr lang="fi-FI" sz="2000" dirty="0"/>
-              <a:t>(1.-14.2.2018 – Toteutunut aikataulussa)</a:t>
-            </a:r>
-            <a:endParaRPr lang="en-US" sz="2000" dirty="0"/>
+            <a:pPr algn="ctr"/>
+            <a:endParaRPr lang="en-US"/>
           </a:p>
         </p:txBody>
       </p:sp>
       <p:pic>
         <p:nvPicPr>
-          <p:cNvPr id="7" name="Kuva 6">
+          <p:cNvPr id="4" name="Kuva 3">
             <a:extLst>
               <a:ext uri="{FF2B5EF4-FFF2-40B4-BE49-F238E27FC236}">
-                <a16:creationId xmlns:a16="http://schemas.microsoft.com/office/drawing/2014/main" id="{A94868AC-D717-4648-A43E-A06AB6D6EB47}"/>
+                <a16:creationId xmlns:a16="http://schemas.microsoft.com/office/drawing/2014/main" id="{0385A5A4-A158-4739-9E59-62EA18E1A799}"/>
               </a:ext>
             </a:extLst>
           </p:cNvPr>
@@ -13668,14 +13755,52 @@
         </p:blipFill>
         <p:spPr>
           <a:xfrm>
-            <a:off x="1141413" y="1025804"/>
-            <a:ext cx="9905998" cy="5620360"/>
+            <a:off x="731520" y="285135"/>
+            <a:ext cx="10424160" cy="5999759"/>
           </a:xfrm>
           <a:prstGeom prst="rect">
             <a:avLst/>
           </a:prstGeom>
         </p:spPr>
       </p:pic>
+      <p:sp>
+        <p:nvSpPr>
+          <p:cNvPr id="8" name="Otsikko 1">
+            <a:extLst>
+              <a:ext uri="{FF2B5EF4-FFF2-40B4-BE49-F238E27FC236}">
+                <a16:creationId xmlns:a16="http://schemas.microsoft.com/office/drawing/2014/main" id="{609116A2-CB2D-44F3-B861-BC2C3522BA68}"/>
+              </a:ext>
+            </a:extLst>
+          </p:cNvPr>
+          <p:cNvSpPr>
+            <a:spLocks noGrp="1"/>
+          </p:cNvSpPr>
+          <p:nvPr>
+            <p:ph type="title"/>
+          </p:nvPr>
+        </p:nvSpPr>
+        <p:spPr>
+          <a:xfrm>
+            <a:off x="1141412" y="0"/>
+            <a:ext cx="11050588" cy="1478570"/>
+          </a:xfrm>
+        </p:spPr>
+        <p:txBody>
+          <a:bodyPr/>
+          <a:lstStyle/>
+          <a:p>
+            <a:r>
+              <a:rPr lang="fi-FI" dirty="0"/>
+              <a:t>Sprint 2  </a:t>
+            </a:r>
+            <a:r>
+              <a:rPr lang="fi-FI" sz="2000" dirty="0"/>
+              <a:t>(1.-14.2.2018 – Toteutunut aikataulussa)</a:t>
+            </a:r>
+            <a:endParaRPr lang="en-US" sz="2000" dirty="0"/>
+          </a:p>
+        </p:txBody>
+      </p:sp>
     </p:spTree>
     <p:extLst>
       <p:ext uri="{BB962C8B-B14F-4D97-AF65-F5344CB8AC3E}">
@@ -13722,7 +13847,12 @@
             <p:ph type="title"/>
           </p:nvPr>
         </p:nvSpPr>
-        <p:spPr/>
+        <p:spPr>
+          <a:xfrm>
+            <a:off x="1141412" y="0"/>
+            <a:ext cx="11050588" cy="1478570"/>
+          </a:xfrm>
+        </p:spPr>
         <p:txBody>
           <a:bodyPr/>
           <a:lstStyle/>
@@ -13888,6 +14018,155 @@
       </p:grpSpPr>
       <p:sp>
         <p:nvSpPr>
+          <p:cNvPr id="6" name="Suorakulmio 5">
+            <a:extLst>
+              <a:ext uri="{FF2B5EF4-FFF2-40B4-BE49-F238E27FC236}">
+                <a16:creationId xmlns:a16="http://schemas.microsoft.com/office/drawing/2014/main" id="{89A7C95D-818A-4FF6-886E-8C41CC91E8DD}"/>
+              </a:ext>
+            </a:extLst>
+          </p:cNvPr>
+          <p:cNvSpPr/>
+          <p:nvPr/>
+        </p:nvSpPr>
+        <p:spPr>
+          <a:xfrm>
+            <a:off x="731520" y="285135"/>
+            <a:ext cx="10728960" cy="6203473"/>
+          </a:xfrm>
+          <a:prstGeom prst="rect">
+            <a:avLst/>
+          </a:prstGeom>
+          <a:solidFill>
+            <a:srgbClr val="3C4FDE">
+              <a:alpha val="20000"/>
+            </a:srgbClr>
+          </a:solidFill>
+        </p:spPr>
+        <p:style>
+          <a:lnRef idx="2">
+            <a:schemeClr val="accent1">
+              <a:shade val="50000"/>
+            </a:schemeClr>
+          </a:lnRef>
+          <a:fillRef idx="1">
+            <a:schemeClr val="accent1"/>
+          </a:fillRef>
+          <a:effectRef idx="0">
+            <a:schemeClr val="accent1"/>
+          </a:effectRef>
+          <a:fontRef idx="minor">
+            <a:schemeClr val="lt1"/>
+          </a:fontRef>
+        </p:style>
+        <p:txBody>
+          <a:bodyPr rtlCol="0" anchor="ctr"/>
+          <a:lstStyle/>
+          <a:p>
+            <a:pPr algn="ctr"/>
+            <a:endParaRPr lang="en-US"/>
+          </a:p>
+        </p:txBody>
+      </p:sp>
+      <p:pic>
+        <p:nvPicPr>
+          <p:cNvPr id="8" name="Kuva 7">
+            <a:extLst>
+              <a:ext uri="{FF2B5EF4-FFF2-40B4-BE49-F238E27FC236}">
+                <a16:creationId xmlns:a16="http://schemas.microsoft.com/office/drawing/2014/main" id="{AA2EDD13-3516-4814-A1D2-63DE69D613EC}"/>
+              </a:ext>
+            </a:extLst>
+          </p:cNvPr>
+          <p:cNvPicPr>
+            <a:picLocks noChangeAspect="1"/>
+          </p:cNvPicPr>
+          <p:nvPr/>
+        </p:nvPicPr>
+        <p:blipFill>
+          <a:blip r:embed="rId2"/>
+          <a:stretch>
+            <a:fillRect/>
+          </a:stretch>
+        </p:blipFill>
+        <p:spPr>
+          <a:xfrm>
+            <a:off x="1197745" y="285135"/>
+            <a:ext cx="10262735" cy="6203473"/>
+          </a:xfrm>
+          <a:prstGeom prst="rect">
+            <a:avLst/>
+          </a:prstGeom>
+        </p:spPr>
+      </p:pic>
+      <p:sp>
+        <p:nvSpPr>
+          <p:cNvPr id="2" name="Otsikko 1">
+            <a:extLst>
+              <a:ext uri="{FF2B5EF4-FFF2-40B4-BE49-F238E27FC236}">
+                <a16:creationId xmlns:a16="http://schemas.microsoft.com/office/drawing/2014/main" id="{081D4C4A-2B07-4017-AEA4-7DD08E6CC82A}"/>
+              </a:ext>
+            </a:extLst>
+          </p:cNvPr>
+          <p:cNvSpPr>
+            <a:spLocks noGrp="1"/>
+          </p:cNvSpPr>
+          <p:nvPr>
+            <p:ph type="title"/>
+          </p:nvPr>
+        </p:nvSpPr>
+        <p:spPr>
+          <a:xfrm>
+            <a:off x="1141412" y="0"/>
+            <a:ext cx="11050588" cy="1478570"/>
+          </a:xfrm>
+        </p:spPr>
+        <p:txBody>
+          <a:bodyPr/>
+          <a:lstStyle/>
+          <a:p>
+            <a:r>
+              <a:rPr lang="fi-FI" dirty="0"/>
+              <a:t>Sprint 3  </a:t>
+            </a:r>
+            <a:r>
+              <a:rPr lang="fi-FI" sz="2000" dirty="0"/>
+              <a:t>(15.-28.2.2018)</a:t>
+            </a:r>
+            <a:endParaRPr lang="en-US" sz="2000" dirty="0"/>
+          </a:p>
+        </p:txBody>
+      </p:sp>
+    </p:spTree>
+    <p:extLst>
+      <p:ext uri="{BB962C8B-B14F-4D97-AF65-F5344CB8AC3E}">
+        <p14:creationId xmlns:p14="http://schemas.microsoft.com/office/powerpoint/2010/main" val="2123063422"/>
+      </p:ext>
+    </p:extLst>
+  </p:cSld>
+  <p:clrMapOvr>
+    <a:masterClrMapping/>
+  </p:clrMapOvr>
+</p:sld>
+</file>
+
+<file path=ppt/slides/slide9.xml><?xml version="1.0" encoding="utf-8"?>
+<p:sld xmlns:a="http://schemas.openxmlformats.org/drawingml/2006/main" xmlns:r="http://schemas.openxmlformats.org/officeDocument/2006/relationships" xmlns:p="http://schemas.openxmlformats.org/presentationml/2006/main">
+  <p:cSld>
+    <p:spTree>
+      <p:nvGrpSpPr>
+        <p:cNvPr id="1" name=""/>
+        <p:cNvGrpSpPr/>
+        <p:nvPr/>
+      </p:nvGrpSpPr>
+      <p:grpSpPr>
+        <a:xfrm>
+          <a:off x="0" y="0"/>
+          <a:ext cx="0" cy="0"/>
+          <a:chOff x="0" y="0"/>
+          <a:chExt cx="0" cy="0"/>
+        </a:xfrm>
+      </p:grpSpPr>
+      <p:sp>
+        <p:nvSpPr>
           <p:cNvPr id="2" name="Otsikko 1">
             <a:extLst>
               <a:ext uri="{FF2B5EF4-FFF2-40B4-BE49-F238E27FC236}">
@@ -13902,7 +14181,12 @@
             <p:ph type="title"/>
           </p:nvPr>
         </p:nvSpPr>
-        <p:spPr/>
+        <p:spPr>
+          <a:xfrm>
+            <a:off x="1141412" y="0"/>
+            <a:ext cx="11050588" cy="1478570"/>
+          </a:xfrm>
+        </p:spPr>
         <p:txBody>
           <a:bodyPr/>
           <a:lstStyle/>

--- a/java/Ryhmä 9 - Lämpötilaseuranta v4.pptx
+++ b/java/Ryhmä 9 - Lämpötilaseuranta v4.pptx
@@ -222,7 +222,7 @@
           <a:p>
             <a:fld id="{B7584FA8-6991-450F-A0BA-FF09BEC0681A}" type="datetimeFigureOut">
               <a:rPr lang="en-US" smtClean="0"/>
-              <a:t>2/21/2018</a:t>
+              <a:t>2/22/2018</a:t>
             </a:fld>
             <a:endParaRPr lang="en-US"/>
           </a:p>
@@ -534,14 +534,7 @@
           <a:bodyPr/>
           <a:lstStyle/>
           <a:p>
-            <a:r>
-              <a:rPr lang="fi-FI" dirty="0" err="1"/>
-              <a:t>Hablas</a:t>
-            </a:r>
-            <a:r>
-              <a:rPr lang="fi-FI" dirty="0"/>
-              <a:t>!</a:t>
-            </a:r>
+            <a:endParaRPr lang="fi-FI" dirty="0"/>
           </a:p>
           <a:p>
             <a:endParaRPr lang="en-US" dirty="0"/>
@@ -4944,7 +4937,7 @@
           <a:p>
             <a:fld id="{48A87A34-81AB-432B-8DAE-1953F412C126}" type="datetimeFigureOut">
               <a:rPr lang="en-US" dirty="0"/>
-              <a:t>2/21/2018</a:t>
+              <a:t>2/22/2018</a:t>
             </a:fld>
             <a:endParaRPr lang="en-US"/>
           </a:p>
@@ -5206,7 +5199,7 @@
           <a:p>
             <a:fld id="{48A87A34-81AB-432B-8DAE-1953F412C126}" type="datetimeFigureOut">
               <a:rPr lang="en-US" dirty="0"/>
-              <a:t>2/21/2018</a:t>
+              <a:t>2/22/2018</a:t>
             </a:fld>
             <a:endParaRPr lang="en-US"/>
           </a:p>
@@ -5397,7 +5390,7 @@
           <a:p>
             <a:fld id="{48A87A34-81AB-432B-8DAE-1953F412C126}" type="datetimeFigureOut">
               <a:rPr lang="en-US" dirty="0"/>
-              <a:t>2/21/2018</a:t>
+              <a:t>2/22/2018</a:t>
             </a:fld>
             <a:endParaRPr lang="en-US"/>
           </a:p>
@@ -5655,7 +5648,7 @@
           <a:p>
             <a:fld id="{48A87A34-81AB-432B-8DAE-1953F412C126}" type="datetimeFigureOut">
               <a:rPr lang="en-US" dirty="0"/>
-              <a:t>2/21/2018</a:t>
+              <a:t>2/22/2018</a:t>
             </a:fld>
             <a:endParaRPr lang="en-US"/>
           </a:p>
@@ -6084,7 +6077,7 @@
           <a:p>
             <a:fld id="{48A87A34-81AB-432B-8DAE-1953F412C126}" type="datetimeFigureOut">
               <a:rPr lang="en-US" dirty="0"/>
-              <a:t>2/21/2018</a:t>
+              <a:t>2/22/2018</a:t>
             </a:fld>
             <a:endParaRPr lang="en-US"/>
           </a:p>
@@ -6625,7 +6618,7 @@
           <a:p>
             <a:fld id="{48A87A34-81AB-432B-8DAE-1953F412C126}" type="datetimeFigureOut">
               <a:rPr lang="en-US" dirty="0"/>
-              <a:t>2/21/2018</a:t>
+              <a:t>2/22/2018</a:t>
             </a:fld>
             <a:endParaRPr lang="en-US"/>
           </a:p>
@@ -7340,7 +7333,7 @@
           <a:p>
             <a:fld id="{48A87A34-81AB-432B-8DAE-1953F412C126}" type="datetimeFigureOut">
               <a:rPr lang="en-US" dirty="0"/>
-              <a:t>2/21/2018</a:t>
+              <a:t>2/22/2018</a:t>
             </a:fld>
             <a:endParaRPr lang="en-US"/>
           </a:p>
@@ -7505,7 +7498,7 @@
           <a:p>
             <a:fld id="{48A87A34-81AB-432B-8DAE-1953F412C126}" type="datetimeFigureOut">
               <a:rPr lang="en-US" dirty="0"/>
-              <a:t>2/21/2018</a:t>
+              <a:t>2/22/2018</a:t>
             </a:fld>
             <a:endParaRPr lang="en-US"/>
           </a:p>
@@ -7680,7 +7673,7 @@
           <a:p>
             <a:fld id="{48A87A34-81AB-432B-8DAE-1953F412C126}" type="datetimeFigureOut">
               <a:rPr lang="en-US" dirty="0"/>
-              <a:t>2/21/2018</a:t>
+              <a:t>2/22/2018</a:t>
             </a:fld>
             <a:endParaRPr lang="en-US"/>
           </a:p>
@@ -7845,7 +7838,7 @@
           <a:p>
             <a:fld id="{48A87A34-81AB-432B-8DAE-1953F412C126}" type="datetimeFigureOut">
               <a:rPr lang="en-US" dirty="0"/>
-              <a:t>2/21/2018</a:t>
+              <a:t>2/22/2018</a:t>
             </a:fld>
             <a:endParaRPr lang="en-US"/>
           </a:p>
@@ -8090,7 +8083,7 @@
           <a:p>
             <a:fld id="{48A87A34-81AB-432B-8DAE-1953F412C126}" type="datetimeFigureOut">
               <a:rPr lang="en-US" dirty="0"/>
-              <a:t>2/21/2018</a:t>
+              <a:t>2/22/2018</a:t>
             </a:fld>
             <a:endParaRPr lang="en-US"/>
           </a:p>
@@ -8317,7 +8310,7 @@
           <a:p>
             <a:fld id="{48A87A34-81AB-432B-8DAE-1953F412C126}" type="datetimeFigureOut">
               <a:rPr lang="en-US" dirty="0"/>
-              <a:t>2/21/2018</a:t>
+              <a:t>2/22/2018</a:t>
             </a:fld>
             <a:endParaRPr lang="en-US"/>
           </a:p>
@@ -8693,7 +8686,7 @@
           <a:p>
             <a:fld id="{48A87A34-81AB-432B-8DAE-1953F412C126}" type="datetimeFigureOut">
               <a:rPr lang="en-US" dirty="0"/>
-              <a:t>2/21/2018</a:t>
+              <a:t>2/22/2018</a:t>
             </a:fld>
             <a:endParaRPr lang="en-US"/>
           </a:p>
@@ -8806,7 +8799,7 @@
           <a:p>
             <a:fld id="{48A87A34-81AB-432B-8DAE-1953F412C126}" type="datetimeFigureOut">
               <a:rPr lang="en-US" dirty="0"/>
-              <a:t>2/21/2018</a:t>
+              <a:t>2/22/2018</a:t>
             </a:fld>
             <a:endParaRPr lang="en-US"/>
           </a:p>
@@ -8896,7 +8889,7 @@
           <a:p>
             <a:fld id="{48A87A34-81AB-432B-8DAE-1953F412C126}" type="datetimeFigureOut">
               <a:rPr lang="en-US" dirty="0"/>
-              <a:t>2/21/2018</a:t>
+              <a:t>2/22/2018</a:t>
             </a:fld>
             <a:endParaRPr lang="en-US"/>
           </a:p>
@@ -9140,7 +9133,7 @@
           <a:p>
             <a:fld id="{48A87A34-81AB-432B-8DAE-1953F412C126}" type="datetimeFigureOut">
               <a:rPr lang="en-US" dirty="0"/>
-              <a:t>2/21/2018</a:t>
+              <a:t>2/22/2018</a:t>
             </a:fld>
             <a:endParaRPr lang="en-US"/>
           </a:p>
@@ -9415,7 +9408,7 @@
           <a:p>
             <a:fld id="{48A87A34-81AB-432B-8DAE-1953F412C126}" type="datetimeFigureOut">
               <a:rPr lang="en-US" dirty="0"/>
-              <a:t>2/21/2018</a:t>
+              <a:t>2/22/2018</a:t>
             </a:fld>
             <a:endParaRPr lang="en-US"/>
           </a:p>
@@ -12488,7 +12481,7 @@
             <a:fld id="{48A87A34-81AB-432B-8DAE-1953F412C126}" type="datetimeFigureOut">
               <a:rPr lang="en-US" dirty="0"/>
               <a:pPr/>
-              <a:t>2/21/2018</a:t>
+              <a:t>2/22/2018</a:t>
             </a:fld>
             <a:endParaRPr lang="en-US"/>
           </a:p>
@@ -13901,14 +13894,10 @@
             <a:pPr lvl="1"/>
             <a:r>
               <a:rPr lang="fi-FI" dirty="0"/>
-              <a:t>JAVA konsolisovelluksen </a:t>
-            </a:r>
-            <a:r>
-              <a:rPr lang="fi-FI"/>
-              <a:t>muuttaminen palvelinsovellukseksi		</a:t>
-            </a:r>
-            <a:r>
-              <a:rPr lang="fi-FI">
+              <a:t>JAVA konsolisovelluksen muuttaminen palvelinsovellukseksi		</a:t>
+            </a:r>
+            <a:r>
+              <a:rPr lang="fi-FI" dirty="0">
                 <a:sym typeface="Wingdings" panose="05000000000000000000" pitchFamily="2" charset="2"/>
               </a:rPr>
               <a:t> Valmis</a:t>
@@ -13919,14 +13908,10 @@
             <a:pPr lvl="1"/>
             <a:r>
               <a:rPr lang="fi-FI" dirty="0"/>
-              <a:t>Asiakassovellus </a:t>
-            </a:r>
-            <a:r>
-              <a:rPr lang="fi-FI"/>
-              <a:t>palvelinsovelluksen etähallintaan			</a:t>
-            </a:r>
-            <a:r>
-              <a:rPr lang="fi-FI">
+              <a:t>Asiakassovellus palvelinsovelluksen etähallintaan			</a:t>
+            </a:r>
+            <a:r>
+              <a:rPr lang="fi-FI" dirty="0">
                 <a:sym typeface="Wingdings" panose="05000000000000000000" pitchFamily="2" charset="2"/>
               </a:rPr>
               <a:t> Valmis</a:t>
@@ -13941,7 +13926,7 @@
             </a:r>
             <a:r>
               <a:rPr lang="fi-FI"/>
-              <a:t>lähettämiseksi palvelimelle		</a:t>
+              <a:t>lähettämiseksi palvelimelle	</a:t>
             </a:r>
             <a:endParaRPr lang="fi-FI" dirty="0"/>
           </a:p>
@@ -13973,13 +13958,8 @@
             </a:r>
             <a:r>
               <a:rPr lang="fi-FI" dirty="0"/>
-              <a:t>palvelimen käyttäytymisen, eli onko oikeus lukea vai </a:t>
-            </a:r>
-            <a:r>
-              <a:rPr lang="fi-FI"/>
-              <a:t>kirjoittaa arvoja							</a:t>
-            </a:r>
-            <a:endParaRPr lang="fi-FI" dirty="0"/>
+              <a:t>palvelimen käyttäytymisen, eli onko oikeus lukea vai kirjoittaa arvoja							</a:t>
+            </a:r>
           </a:p>
           <a:p>
             <a:endParaRPr lang="en-US" dirty="0"/>

--- a/java/Ryhmä 9 - Lämpötilaseuranta v4.pptx
+++ b/java/Ryhmä 9 - Lämpötilaseuranta v4.pptx
@@ -222,7 +222,7 @@
           <a:p>
             <a:fld id="{B7584FA8-6991-450F-A0BA-FF09BEC0681A}" type="datetimeFigureOut">
               <a:rPr lang="en-US" smtClean="0"/>
-              <a:t>2/22/2018</a:t>
+              <a:t>3/1/2018</a:t>
             </a:fld>
             <a:endParaRPr lang="en-US"/>
           </a:p>
@@ -711,7 +711,7 @@
           <a:noFill/>
           <a:extLst>
             <a:ext uri="{909E8E84-426E-40dd-AFC4-6F175D3DCCD1}">
-              <a14:hiddenFill xmlns:a14="http://schemas.microsoft.com/office/drawing/2010/main" xmlns="">
+              <a14:hiddenFill xmlns="" xmlns:a14="http://schemas.microsoft.com/office/drawing/2010/main">
                 <a:solidFill>
                   <a:srgbClr val="FFFFFF"/>
                 </a:solidFill>
@@ -771,7 +771,7 @@
             </a:ln>
             <a:extLst>
               <a:ext uri="{91240B29-F687-4f45-9708-019B960494DF}">
-                <a14:hiddenLine xmlns:a14="http://schemas.microsoft.com/office/drawing/2010/main" xmlns="" w="9525">
+                <a14:hiddenLine xmlns="" xmlns:a14="http://schemas.microsoft.com/office/drawing/2010/main" w="9525">
                   <a:solidFill>
                     <a:srgbClr val="000000"/>
                   </a:solidFill>
@@ -861,7 +861,7 @@
             </a:ln>
             <a:extLst>
               <a:ext uri="{91240B29-F687-4f45-9708-019B960494DF}">
-                <a14:hiddenLine xmlns:a14="http://schemas.microsoft.com/office/drawing/2010/main" xmlns="" w="9525">
+                <a14:hiddenLine xmlns="" xmlns:a14="http://schemas.microsoft.com/office/drawing/2010/main" w="9525">
                   <a:solidFill>
                     <a:srgbClr val="000000"/>
                   </a:solidFill>
@@ -951,7 +951,7 @@
             </a:ln>
             <a:extLst>
               <a:ext uri="{91240B29-F687-4f45-9708-019B960494DF}">
-                <a14:hiddenLine xmlns:a14="http://schemas.microsoft.com/office/drawing/2010/main" xmlns="" w="9525">
+                <a14:hiddenLine xmlns="" xmlns:a14="http://schemas.microsoft.com/office/drawing/2010/main" w="9525">
                   <a:solidFill>
                     <a:srgbClr val="000000"/>
                   </a:solidFill>
@@ -985,7 +985,7 @@
             </a:ln>
             <a:extLst>
               <a:ext uri="{91240B29-F687-4f45-9708-019B960494DF}">
-                <a14:hiddenLine xmlns:a14="http://schemas.microsoft.com/office/drawing/2010/main" xmlns="" w="9525">
+                <a14:hiddenLine xmlns="" xmlns:a14="http://schemas.microsoft.com/office/drawing/2010/main" w="9525">
                   <a:solidFill>
                     <a:srgbClr val="000000"/>
                   </a:solidFill>
@@ -1075,7 +1075,7 @@
             </a:ln>
             <a:extLst>
               <a:ext uri="{91240B29-F687-4f45-9708-019B960494DF}">
-                <a14:hiddenLine xmlns:a14="http://schemas.microsoft.com/office/drawing/2010/main" xmlns="" w="9525">
+                <a14:hiddenLine xmlns="" xmlns:a14="http://schemas.microsoft.com/office/drawing/2010/main" w="9525">
                   <a:solidFill>
                     <a:srgbClr val="000000"/>
                   </a:solidFill>
@@ -1137,7 +1137,7 @@
             </a:ln>
             <a:extLst>
               <a:ext uri="{91240B29-F687-4f45-9708-019B960494DF}">
-                <a14:hiddenLine xmlns:a14="http://schemas.microsoft.com/office/drawing/2010/main" xmlns="" w="9525">
+                <a14:hiddenLine xmlns="" xmlns:a14="http://schemas.microsoft.com/office/drawing/2010/main" w="9525">
                   <a:solidFill>
                     <a:srgbClr val="000000"/>
                   </a:solidFill>
@@ -1199,7 +1199,7 @@
             </a:ln>
             <a:extLst>
               <a:ext uri="{91240B29-F687-4f45-9708-019B960494DF}">
-                <a14:hiddenLine xmlns:a14="http://schemas.microsoft.com/office/drawing/2010/main" xmlns="" w="9525">
+                <a14:hiddenLine xmlns="" xmlns:a14="http://schemas.microsoft.com/office/drawing/2010/main" w="9525">
                   <a:solidFill>
                     <a:srgbClr val="000000"/>
                   </a:solidFill>
@@ -1289,7 +1289,7 @@
             </a:ln>
             <a:extLst>
               <a:ext uri="{91240B29-F687-4f45-9708-019B960494DF}">
-                <a14:hiddenLine xmlns:a14="http://schemas.microsoft.com/office/drawing/2010/main" xmlns="" w="9525">
+                <a14:hiddenLine xmlns="" xmlns:a14="http://schemas.microsoft.com/office/drawing/2010/main" w="9525">
                   <a:solidFill>
                     <a:srgbClr val="000000"/>
                   </a:solidFill>
@@ -1351,7 +1351,7 @@
             </a:ln>
             <a:extLst>
               <a:ext uri="{91240B29-F687-4f45-9708-019B960494DF}">
-                <a14:hiddenLine xmlns:a14="http://schemas.microsoft.com/office/drawing/2010/main" xmlns="" w="9525">
+                <a14:hiddenLine xmlns="" xmlns:a14="http://schemas.microsoft.com/office/drawing/2010/main" w="9525">
                   <a:solidFill>
                     <a:srgbClr val="000000"/>
                   </a:solidFill>
@@ -1413,7 +1413,7 @@
             </a:ln>
             <a:extLst>
               <a:ext uri="{91240B29-F687-4f45-9708-019B960494DF}">
-                <a14:hiddenLine xmlns:a14="http://schemas.microsoft.com/office/drawing/2010/main" xmlns="" w="9525">
+                <a14:hiddenLine xmlns="" xmlns:a14="http://schemas.microsoft.com/office/drawing/2010/main" w="9525">
                   <a:solidFill>
                     <a:srgbClr val="000000"/>
                   </a:solidFill>
@@ -1503,7 +1503,7 @@
             </a:ln>
             <a:extLst>
               <a:ext uri="{91240B29-F687-4f45-9708-019B960494DF}">
-                <a14:hiddenLine xmlns:a14="http://schemas.microsoft.com/office/drawing/2010/main" xmlns="" w="9525">
+                <a14:hiddenLine xmlns="" xmlns:a14="http://schemas.microsoft.com/office/drawing/2010/main" w="9525">
                   <a:solidFill>
                     <a:srgbClr val="000000"/>
                   </a:solidFill>
@@ -1593,7 +1593,7 @@
             </a:ln>
             <a:extLst>
               <a:ext uri="{91240B29-F687-4f45-9708-019B960494DF}">
-                <a14:hiddenLine xmlns:a14="http://schemas.microsoft.com/office/drawing/2010/main" xmlns="" w="9525">
+                <a14:hiddenLine xmlns="" xmlns:a14="http://schemas.microsoft.com/office/drawing/2010/main" w="9525">
                   <a:solidFill>
                     <a:srgbClr val="000000"/>
                   </a:solidFill>
@@ -1655,7 +1655,7 @@
             </a:ln>
             <a:extLst>
               <a:ext uri="{91240B29-F687-4f45-9708-019B960494DF}">
-                <a14:hiddenLine xmlns:a14="http://schemas.microsoft.com/office/drawing/2010/main" xmlns="" w="9525">
+                <a14:hiddenLine xmlns="" xmlns:a14="http://schemas.microsoft.com/office/drawing/2010/main" w="9525">
                   <a:solidFill>
                     <a:srgbClr val="000000"/>
                   </a:solidFill>
@@ -1765,7 +1765,7 @@
             </a:ln>
             <a:extLst>
               <a:ext uri="{91240B29-F687-4f45-9708-019B960494DF}">
-                <a14:hiddenLine xmlns:a14="http://schemas.microsoft.com/office/drawing/2010/main" xmlns="" w="9525">
+                <a14:hiddenLine xmlns="" xmlns:a14="http://schemas.microsoft.com/office/drawing/2010/main" w="9525">
                   <a:solidFill>
                     <a:srgbClr val="000000"/>
                   </a:solidFill>
@@ -1827,7 +1827,7 @@
             </a:ln>
             <a:extLst>
               <a:ext uri="{91240B29-F687-4f45-9708-019B960494DF}">
-                <a14:hiddenLine xmlns:a14="http://schemas.microsoft.com/office/drawing/2010/main" xmlns="" w="9525">
+                <a14:hiddenLine xmlns="" xmlns:a14="http://schemas.microsoft.com/office/drawing/2010/main" w="9525">
                   <a:solidFill>
                     <a:srgbClr val="000000"/>
                   </a:solidFill>
@@ -1917,7 +1917,7 @@
             </a:ln>
             <a:extLst>
               <a:ext uri="{91240B29-F687-4f45-9708-019B960494DF}">
-                <a14:hiddenLine xmlns:a14="http://schemas.microsoft.com/office/drawing/2010/main" xmlns="" w="9525">
+                <a14:hiddenLine xmlns="" xmlns:a14="http://schemas.microsoft.com/office/drawing/2010/main" w="9525">
                   <a:solidFill>
                     <a:srgbClr val="000000"/>
                   </a:solidFill>
@@ -2007,7 +2007,7 @@
             </a:ln>
             <a:extLst>
               <a:ext uri="{91240B29-F687-4f45-9708-019B960494DF}">
-                <a14:hiddenLine xmlns:a14="http://schemas.microsoft.com/office/drawing/2010/main" xmlns="" w="9525">
+                <a14:hiddenLine xmlns="" xmlns:a14="http://schemas.microsoft.com/office/drawing/2010/main" w="9525">
                   <a:solidFill>
                     <a:srgbClr val="000000"/>
                   </a:solidFill>
@@ -2069,7 +2069,7 @@
             </a:ln>
             <a:extLst>
               <a:ext uri="{91240B29-F687-4f45-9708-019B960494DF}">
-                <a14:hiddenLine xmlns:a14="http://schemas.microsoft.com/office/drawing/2010/main" xmlns="" w="9525">
+                <a14:hiddenLine xmlns="" xmlns:a14="http://schemas.microsoft.com/office/drawing/2010/main" w="9525">
                   <a:solidFill>
                     <a:srgbClr val="000000"/>
                   </a:solidFill>
@@ -2159,7 +2159,7 @@
             </a:ln>
             <a:extLst>
               <a:ext uri="{91240B29-F687-4f45-9708-019B960494DF}">
-                <a14:hiddenLine xmlns:a14="http://schemas.microsoft.com/office/drawing/2010/main" xmlns="" w="9525">
+                <a14:hiddenLine xmlns="" xmlns:a14="http://schemas.microsoft.com/office/drawing/2010/main" w="9525">
                   <a:solidFill>
                     <a:srgbClr val="000000"/>
                   </a:solidFill>
@@ -2249,7 +2249,7 @@
             </a:ln>
             <a:extLst>
               <a:ext uri="{91240B29-F687-4f45-9708-019B960494DF}">
-                <a14:hiddenLine xmlns:a14="http://schemas.microsoft.com/office/drawing/2010/main" xmlns="" w="9525">
+                <a14:hiddenLine xmlns="" xmlns:a14="http://schemas.microsoft.com/office/drawing/2010/main" w="9525">
                   <a:solidFill>
                     <a:srgbClr val="000000"/>
                   </a:solidFill>
@@ -2305,7 +2305,7 @@
             </a:ln>
             <a:extLst>
               <a:ext uri="{91240B29-F687-4f45-9708-019B960494DF}">
-                <a14:hiddenLine xmlns:a14="http://schemas.microsoft.com/office/drawing/2010/main" xmlns="" w="9525">
+                <a14:hiddenLine xmlns="" xmlns:a14="http://schemas.microsoft.com/office/drawing/2010/main" w="9525">
                   <a:solidFill>
                     <a:srgbClr val="000000"/>
                   </a:solidFill>
@@ -2395,7 +2395,7 @@
             </a:ln>
             <a:extLst>
               <a:ext uri="{91240B29-F687-4f45-9708-019B960494DF}">
-                <a14:hiddenLine xmlns:a14="http://schemas.microsoft.com/office/drawing/2010/main" xmlns="" w="9525">
+                <a14:hiddenLine xmlns="" xmlns:a14="http://schemas.microsoft.com/office/drawing/2010/main" w="9525">
                   <a:solidFill>
                     <a:srgbClr val="000000"/>
                   </a:solidFill>
@@ -2451,7 +2451,7 @@
             </a:ln>
             <a:extLst>
               <a:ext uri="{91240B29-F687-4f45-9708-019B960494DF}">
-                <a14:hiddenLine xmlns:a14="http://schemas.microsoft.com/office/drawing/2010/main" xmlns="" w="9525">
+                <a14:hiddenLine xmlns="" xmlns:a14="http://schemas.microsoft.com/office/drawing/2010/main" w="9525">
                   <a:solidFill>
                     <a:srgbClr val="000000"/>
                   </a:solidFill>
@@ -2541,7 +2541,7 @@
             </a:ln>
             <a:extLst>
               <a:ext uri="{91240B29-F687-4f45-9708-019B960494DF}">
-                <a14:hiddenLine xmlns:a14="http://schemas.microsoft.com/office/drawing/2010/main" xmlns="" w="9525">
+                <a14:hiddenLine xmlns="" xmlns:a14="http://schemas.microsoft.com/office/drawing/2010/main" w="9525">
                   <a:solidFill>
                     <a:srgbClr val="000000"/>
                   </a:solidFill>
@@ -2609,7 +2609,7 @@
             </a:ln>
             <a:extLst>
               <a:ext uri="{91240B29-F687-4f45-9708-019B960494DF}">
-                <a14:hiddenLine xmlns:a14="http://schemas.microsoft.com/office/drawing/2010/main" xmlns="" w="9525">
+                <a14:hiddenLine xmlns="" xmlns:a14="http://schemas.microsoft.com/office/drawing/2010/main" w="9525">
                   <a:solidFill>
                     <a:srgbClr val="000000"/>
                   </a:solidFill>
@@ -2699,7 +2699,7 @@
             </a:ln>
             <a:extLst>
               <a:ext uri="{91240B29-F687-4f45-9708-019B960494DF}">
-                <a14:hiddenLine xmlns:a14="http://schemas.microsoft.com/office/drawing/2010/main" xmlns="" w="9525">
+                <a14:hiddenLine xmlns="" xmlns:a14="http://schemas.microsoft.com/office/drawing/2010/main" w="9525">
                   <a:solidFill>
                     <a:srgbClr val="000000"/>
                   </a:solidFill>
@@ -2767,7 +2767,7 @@
             </a:ln>
             <a:extLst>
               <a:ext uri="{91240B29-F687-4f45-9708-019B960494DF}">
-                <a14:hiddenLine xmlns:a14="http://schemas.microsoft.com/office/drawing/2010/main" xmlns="" w="9525">
+                <a14:hiddenLine xmlns="" xmlns:a14="http://schemas.microsoft.com/office/drawing/2010/main" w="9525">
                   <a:solidFill>
                     <a:srgbClr val="000000"/>
                   </a:solidFill>
@@ -2857,7 +2857,7 @@
             </a:ln>
             <a:extLst>
               <a:ext uri="{91240B29-F687-4f45-9708-019B960494DF}">
-                <a14:hiddenLine xmlns:a14="http://schemas.microsoft.com/office/drawing/2010/main" xmlns="" w="9525">
+                <a14:hiddenLine xmlns="" xmlns:a14="http://schemas.microsoft.com/office/drawing/2010/main" w="9525">
                   <a:solidFill>
                     <a:srgbClr val="000000"/>
                   </a:solidFill>
@@ -2891,7 +2891,7 @@
             </a:ln>
             <a:extLst>
               <a:ext uri="{91240B29-F687-4f45-9708-019B960494DF}">
-                <a14:hiddenLine xmlns:a14="http://schemas.microsoft.com/office/drawing/2010/main" xmlns="" w="9525">
+                <a14:hiddenLine xmlns="" xmlns:a14="http://schemas.microsoft.com/office/drawing/2010/main" w="9525">
                   <a:solidFill>
                     <a:srgbClr val="000000"/>
                   </a:solidFill>
@@ -2981,7 +2981,7 @@
             </a:ln>
             <a:extLst>
               <a:ext uri="{91240B29-F687-4f45-9708-019B960494DF}">
-                <a14:hiddenLine xmlns:a14="http://schemas.microsoft.com/office/drawing/2010/main" xmlns="" w="9525">
+                <a14:hiddenLine xmlns="" xmlns:a14="http://schemas.microsoft.com/office/drawing/2010/main" w="9525">
                   <a:solidFill>
                     <a:srgbClr val="000000"/>
                   </a:solidFill>
@@ -3043,7 +3043,7 @@
             </a:ln>
             <a:extLst>
               <a:ext uri="{91240B29-F687-4f45-9708-019B960494DF}">
-                <a14:hiddenLine xmlns:a14="http://schemas.microsoft.com/office/drawing/2010/main" xmlns="" w="9525">
+                <a14:hiddenLine xmlns="" xmlns:a14="http://schemas.microsoft.com/office/drawing/2010/main" w="9525">
                   <a:solidFill>
                     <a:srgbClr val="000000"/>
                   </a:solidFill>
@@ -3105,7 +3105,7 @@
             </a:ln>
             <a:extLst>
               <a:ext uri="{91240B29-F687-4f45-9708-019B960494DF}">
-                <a14:hiddenLine xmlns:a14="http://schemas.microsoft.com/office/drawing/2010/main" xmlns="" w="9525">
+                <a14:hiddenLine xmlns="" xmlns:a14="http://schemas.microsoft.com/office/drawing/2010/main" w="9525">
                   <a:solidFill>
                     <a:srgbClr val="000000"/>
                   </a:solidFill>
@@ -3195,7 +3195,7 @@
             </a:ln>
             <a:extLst>
               <a:ext uri="{91240B29-F687-4f45-9708-019B960494DF}">
-                <a14:hiddenLine xmlns:a14="http://schemas.microsoft.com/office/drawing/2010/main" xmlns="" w="9525">
+                <a14:hiddenLine xmlns="" xmlns:a14="http://schemas.microsoft.com/office/drawing/2010/main" w="9525">
                   <a:solidFill>
                     <a:srgbClr val="000000"/>
                   </a:solidFill>
@@ -3263,7 +3263,7 @@
             </a:ln>
             <a:extLst>
               <a:ext uri="{91240B29-F687-4f45-9708-019B960494DF}">
-                <a14:hiddenLine xmlns:a14="http://schemas.microsoft.com/office/drawing/2010/main" xmlns="" w="9525">
+                <a14:hiddenLine xmlns="" xmlns:a14="http://schemas.microsoft.com/office/drawing/2010/main" w="9525">
                   <a:solidFill>
                     <a:srgbClr val="000000"/>
                   </a:solidFill>
@@ -3325,7 +3325,7 @@
             </a:ln>
             <a:extLst>
               <a:ext uri="{91240B29-F687-4f45-9708-019B960494DF}">
-                <a14:hiddenLine xmlns:a14="http://schemas.microsoft.com/office/drawing/2010/main" xmlns="" w="9525">
+                <a14:hiddenLine xmlns="" xmlns:a14="http://schemas.microsoft.com/office/drawing/2010/main" w="9525">
                   <a:solidFill>
                     <a:srgbClr val="000000"/>
                   </a:solidFill>
@@ -3415,7 +3415,7 @@
             </a:ln>
             <a:extLst>
               <a:ext uri="{91240B29-F687-4f45-9708-019B960494DF}">
-                <a14:hiddenLine xmlns:a14="http://schemas.microsoft.com/office/drawing/2010/main" xmlns="" w="9525">
+                <a14:hiddenLine xmlns="" xmlns:a14="http://schemas.microsoft.com/office/drawing/2010/main" w="9525">
                   <a:solidFill>
                     <a:srgbClr val="000000"/>
                   </a:solidFill>
@@ -3477,7 +3477,7 @@
             </a:ln>
             <a:extLst>
               <a:ext uri="{91240B29-F687-4f45-9708-019B960494DF}">
-                <a14:hiddenLine xmlns:a14="http://schemas.microsoft.com/office/drawing/2010/main" xmlns="" w="9525">
+                <a14:hiddenLine xmlns="" xmlns:a14="http://schemas.microsoft.com/office/drawing/2010/main" w="9525">
                   <a:solidFill>
                     <a:srgbClr val="000000"/>
                   </a:solidFill>
@@ -3567,7 +3567,7 @@
             </a:ln>
             <a:extLst>
               <a:ext uri="{91240B29-F687-4f45-9708-019B960494DF}">
-                <a14:hiddenLine xmlns:a14="http://schemas.microsoft.com/office/drawing/2010/main" xmlns="" w="9525">
+                <a14:hiddenLine xmlns="" xmlns:a14="http://schemas.microsoft.com/office/drawing/2010/main" w="9525">
                   <a:solidFill>
                     <a:srgbClr val="000000"/>
                   </a:solidFill>
@@ -3629,7 +3629,7 @@
             </a:ln>
             <a:extLst>
               <a:ext uri="{91240B29-F687-4f45-9708-019B960494DF}">
-                <a14:hiddenLine xmlns:a14="http://schemas.microsoft.com/office/drawing/2010/main" xmlns="" w="9525">
+                <a14:hiddenLine xmlns="" xmlns:a14="http://schemas.microsoft.com/office/drawing/2010/main" w="9525">
                   <a:solidFill>
                     <a:srgbClr val="000000"/>
                   </a:solidFill>
@@ -3719,7 +3719,7 @@
             </a:ln>
             <a:extLst>
               <a:ext uri="{91240B29-F687-4f45-9708-019B960494DF}">
-                <a14:hiddenLine xmlns:a14="http://schemas.microsoft.com/office/drawing/2010/main" xmlns="" w="9525">
+                <a14:hiddenLine xmlns="" xmlns:a14="http://schemas.microsoft.com/office/drawing/2010/main" w="9525">
                   <a:solidFill>
                     <a:srgbClr val="000000"/>
                   </a:solidFill>
@@ -3753,7 +3753,7 @@
             </a:ln>
             <a:extLst>
               <a:ext uri="{91240B29-F687-4f45-9708-019B960494DF}">
-                <a14:hiddenLine xmlns:a14="http://schemas.microsoft.com/office/drawing/2010/main" xmlns="" w="9525">
+                <a14:hiddenLine xmlns="" xmlns:a14="http://schemas.microsoft.com/office/drawing/2010/main" w="9525">
                   <a:solidFill>
                     <a:srgbClr val="000000"/>
                   </a:solidFill>
@@ -3818,7 +3818,7 @@
             </a:ln>
             <a:extLst>
               <a:ext uri="{91240B29-F687-4f45-9708-019B960494DF}">
-                <a14:hiddenLine xmlns:a14="http://schemas.microsoft.com/office/drawing/2010/main" xmlns="" w="9525">
+                <a14:hiddenLine xmlns="" xmlns:a14="http://schemas.microsoft.com/office/drawing/2010/main" w="9525">
                   <a:solidFill>
                     <a:srgbClr val="000000"/>
                   </a:solidFill>
@@ -3908,7 +3908,7 @@
             </a:ln>
             <a:extLst>
               <a:ext uri="{91240B29-F687-4f45-9708-019B960494DF}">
-                <a14:hiddenLine xmlns:a14="http://schemas.microsoft.com/office/drawing/2010/main" xmlns="" w="9525">
+                <a14:hiddenLine xmlns="" xmlns:a14="http://schemas.microsoft.com/office/drawing/2010/main" w="9525">
                   <a:solidFill>
                     <a:srgbClr val="000000"/>
                   </a:solidFill>
@@ -3970,7 +3970,7 @@
             </a:ln>
             <a:extLst>
               <a:ext uri="{91240B29-F687-4f45-9708-019B960494DF}">
-                <a14:hiddenLine xmlns:a14="http://schemas.microsoft.com/office/drawing/2010/main" xmlns="" w="9525">
+                <a14:hiddenLine xmlns="" xmlns:a14="http://schemas.microsoft.com/office/drawing/2010/main" w="9525">
                   <a:solidFill>
                     <a:srgbClr val="000000"/>
                   </a:solidFill>
@@ -4060,7 +4060,7 @@
             </a:ln>
             <a:extLst>
               <a:ext uri="{91240B29-F687-4f45-9708-019B960494DF}">
-                <a14:hiddenLine xmlns:a14="http://schemas.microsoft.com/office/drawing/2010/main" xmlns="" w="9525">
+                <a14:hiddenLine xmlns="" xmlns:a14="http://schemas.microsoft.com/office/drawing/2010/main" w="9525">
                   <a:solidFill>
                     <a:srgbClr val="000000"/>
                   </a:solidFill>
@@ -4150,7 +4150,7 @@
             </a:ln>
             <a:extLst>
               <a:ext uri="{91240B29-F687-4f45-9708-019B960494DF}">
-                <a14:hiddenLine xmlns:a14="http://schemas.microsoft.com/office/drawing/2010/main" xmlns="" w="9525">
+                <a14:hiddenLine xmlns="" xmlns:a14="http://schemas.microsoft.com/office/drawing/2010/main" w="9525">
                   <a:solidFill>
                     <a:srgbClr val="000000"/>
                   </a:solidFill>
@@ -4215,7 +4215,7 @@
             </a:ln>
             <a:extLst>
               <a:ext uri="{91240B29-F687-4f45-9708-019B960494DF}">
-                <a14:hiddenLine xmlns:a14="http://schemas.microsoft.com/office/drawing/2010/main" xmlns="" w="9525">
+                <a14:hiddenLine xmlns="" xmlns:a14="http://schemas.microsoft.com/office/drawing/2010/main" w="9525">
                   <a:solidFill>
                     <a:srgbClr val="000000"/>
                   </a:solidFill>
@@ -4277,7 +4277,7 @@
             </a:ln>
             <a:extLst>
               <a:ext uri="{91240B29-F687-4f45-9708-019B960494DF}">
-                <a14:hiddenLine xmlns:a14="http://schemas.microsoft.com/office/drawing/2010/main" xmlns="" w="9525">
+                <a14:hiddenLine xmlns="" xmlns:a14="http://schemas.microsoft.com/office/drawing/2010/main" w="9525">
                   <a:solidFill>
                     <a:srgbClr val="000000"/>
                   </a:solidFill>
@@ -4367,7 +4367,7 @@
             </a:ln>
             <a:extLst>
               <a:ext uri="{91240B29-F687-4f45-9708-019B960494DF}">
-                <a14:hiddenLine xmlns:a14="http://schemas.microsoft.com/office/drawing/2010/main" xmlns="" w="9525">
+                <a14:hiddenLine xmlns="" xmlns:a14="http://schemas.microsoft.com/office/drawing/2010/main" w="9525">
                   <a:solidFill>
                     <a:srgbClr val="000000"/>
                   </a:solidFill>
@@ -4457,7 +4457,7 @@
             </a:ln>
             <a:extLst>
               <a:ext uri="{91240B29-F687-4f45-9708-019B960494DF}">
-                <a14:hiddenLine xmlns:a14="http://schemas.microsoft.com/office/drawing/2010/main" xmlns="" w="9525">
+                <a14:hiddenLine xmlns="" xmlns:a14="http://schemas.microsoft.com/office/drawing/2010/main" w="9525">
                   <a:solidFill>
                     <a:srgbClr val="000000"/>
                   </a:solidFill>
@@ -4519,7 +4519,7 @@
             </a:ln>
             <a:extLst>
               <a:ext uri="{91240B29-F687-4f45-9708-019B960494DF}">
-                <a14:hiddenLine xmlns:a14="http://schemas.microsoft.com/office/drawing/2010/main" xmlns="" w="9525">
+                <a14:hiddenLine xmlns="" xmlns:a14="http://schemas.microsoft.com/office/drawing/2010/main" w="9525">
                   <a:solidFill>
                     <a:srgbClr val="000000"/>
                   </a:solidFill>
@@ -4639,7 +4639,7 @@
             </a:ln>
             <a:extLst>
               <a:ext uri="{91240B29-F687-4f45-9708-019B960494DF}">
-                <a14:hiddenLine xmlns:a14="http://schemas.microsoft.com/office/drawing/2010/main" xmlns="" w="9525">
+                <a14:hiddenLine xmlns="" xmlns:a14="http://schemas.microsoft.com/office/drawing/2010/main" w="9525">
                   <a:solidFill>
                     <a:srgbClr val="000000"/>
                   </a:solidFill>
@@ -4707,7 +4707,7 @@
             </a:ln>
             <a:extLst>
               <a:ext uri="{91240B29-F687-4f45-9708-019B960494DF}">
-                <a14:hiddenLine xmlns:a14="http://schemas.microsoft.com/office/drawing/2010/main" xmlns="" w="9525">
+                <a14:hiddenLine xmlns="" xmlns:a14="http://schemas.microsoft.com/office/drawing/2010/main" w="9525">
                   <a:solidFill>
                     <a:srgbClr val="000000"/>
                   </a:solidFill>
@@ -4797,7 +4797,7 @@
             </a:ln>
             <a:extLst>
               <a:ext uri="{91240B29-F687-4f45-9708-019B960494DF}">
-                <a14:hiddenLine xmlns:a14="http://schemas.microsoft.com/office/drawing/2010/main" xmlns="" w="9525">
+                <a14:hiddenLine xmlns="" xmlns:a14="http://schemas.microsoft.com/office/drawing/2010/main" w="9525">
                   <a:solidFill>
                     <a:srgbClr val="000000"/>
                   </a:solidFill>
@@ -4937,7 +4937,7 @@
           <a:p>
             <a:fld id="{48A87A34-81AB-432B-8DAE-1953F412C126}" type="datetimeFigureOut">
               <a:rPr lang="en-US" dirty="0"/>
-              <a:t>2/22/2018</a:t>
+              <a:t>3/1/2018</a:t>
             </a:fld>
             <a:endParaRPr lang="en-US"/>
           </a:p>
@@ -5199,7 +5199,7 @@
           <a:p>
             <a:fld id="{48A87A34-81AB-432B-8DAE-1953F412C126}" type="datetimeFigureOut">
               <a:rPr lang="en-US" dirty="0"/>
-              <a:t>2/22/2018</a:t>
+              <a:t>3/1/2018</a:t>
             </a:fld>
             <a:endParaRPr lang="en-US"/>
           </a:p>
@@ -5390,7 +5390,7 @@
           <a:p>
             <a:fld id="{48A87A34-81AB-432B-8DAE-1953F412C126}" type="datetimeFigureOut">
               <a:rPr lang="en-US" dirty="0"/>
-              <a:t>2/22/2018</a:t>
+              <a:t>3/1/2018</a:t>
             </a:fld>
             <a:endParaRPr lang="en-US"/>
           </a:p>
@@ -5648,7 +5648,7 @@
           <a:p>
             <a:fld id="{48A87A34-81AB-432B-8DAE-1953F412C126}" type="datetimeFigureOut">
               <a:rPr lang="en-US" dirty="0"/>
-              <a:t>2/22/2018</a:t>
+              <a:t>3/1/2018</a:t>
             </a:fld>
             <a:endParaRPr lang="en-US"/>
           </a:p>
@@ -6077,7 +6077,7 @@
           <a:p>
             <a:fld id="{48A87A34-81AB-432B-8DAE-1953F412C126}" type="datetimeFigureOut">
               <a:rPr lang="en-US" dirty="0"/>
-              <a:t>2/22/2018</a:t>
+              <a:t>3/1/2018</a:t>
             </a:fld>
             <a:endParaRPr lang="en-US"/>
           </a:p>
@@ -6618,7 +6618,7 @@
           <a:p>
             <a:fld id="{48A87A34-81AB-432B-8DAE-1953F412C126}" type="datetimeFigureOut">
               <a:rPr lang="en-US" dirty="0"/>
-              <a:t>2/22/2018</a:t>
+              <a:t>3/1/2018</a:t>
             </a:fld>
             <a:endParaRPr lang="en-US"/>
           </a:p>
@@ -7333,7 +7333,7 @@
           <a:p>
             <a:fld id="{48A87A34-81AB-432B-8DAE-1953F412C126}" type="datetimeFigureOut">
               <a:rPr lang="en-US" dirty="0"/>
-              <a:t>2/22/2018</a:t>
+              <a:t>3/1/2018</a:t>
             </a:fld>
             <a:endParaRPr lang="en-US"/>
           </a:p>
@@ -7498,7 +7498,7 @@
           <a:p>
             <a:fld id="{48A87A34-81AB-432B-8DAE-1953F412C126}" type="datetimeFigureOut">
               <a:rPr lang="en-US" dirty="0"/>
-              <a:t>2/22/2018</a:t>
+              <a:t>3/1/2018</a:t>
             </a:fld>
             <a:endParaRPr lang="en-US"/>
           </a:p>
@@ -7673,7 +7673,7 @@
           <a:p>
             <a:fld id="{48A87A34-81AB-432B-8DAE-1953F412C126}" type="datetimeFigureOut">
               <a:rPr lang="en-US" dirty="0"/>
-              <a:t>2/22/2018</a:t>
+              <a:t>3/1/2018</a:t>
             </a:fld>
             <a:endParaRPr lang="en-US"/>
           </a:p>
@@ -7838,7 +7838,7 @@
           <a:p>
             <a:fld id="{48A87A34-81AB-432B-8DAE-1953F412C126}" type="datetimeFigureOut">
               <a:rPr lang="en-US" dirty="0"/>
-              <a:t>2/22/2018</a:t>
+              <a:t>3/1/2018</a:t>
             </a:fld>
             <a:endParaRPr lang="en-US"/>
           </a:p>
@@ -8083,7 +8083,7 @@
           <a:p>
             <a:fld id="{48A87A34-81AB-432B-8DAE-1953F412C126}" type="datetimeFigureOut">
               <a:rPr lang="en-US" dirty="0"/>
-              <a:t>2/22/2018</a:t>
+              <a:t>3/1/2018</a:t>
             </a:fld>
             <a:endParaRPr lang="en-US"/>
           </a:p>
@@ -8310,7 +8310,7 @@
           <a:p>
             <a:fld id="{48A87A34-81AB-432B-8DAE-1953F412C126}" type="datetimeFigureOut">
               <a:rPr lang="en-US" dirty="0"/>
-              <a:t>2/22/2018</a:t>
+              <a:t>3/1/2018</a:t>
             </a:fld>
             <a:endParaRPr lang="en-US"/>
           </a:p>
@@ -8686,7 +8686,7 @@
           <a:p>
             <a:fld id="{48A87A34-81AB-432B-8DAE-1953F412C126}" type="datetimeFigureOut">
               <a:rPr lang="en-US" dirty="0"/>
-              <a:t>2/22/2018</a:t>
+              <a:t>3/1/2018</a:t>
             </a:fld>
             <a:endParaRPr lang="en-US"/>
           </a:p>
@@ -8799,7 +8799,7 @@
           <a:p>
             <a:fld id="{48A87A34-81AB-432B-8DAE-1953F412C126}" type="datetimeFigureOut">
               <a:rPr lang="en-US" dirty="0"/>
-              <a:t>2/22/2018</a:t>
+              <a:t>3/1/2018</a:t>
             </a:fld>
             <a:endParaRPr lang="en-US"/>
           </a:p>
@@ -8889,7 +8889,7 @@
           <a:p>
             <a:fld id="{48A87A34-81AB-432B-8DAE-1953F412C126}" type="datetimeFigureOut">
               <a:rPr lang="en-US" dirty="0"/>
-              <a:t>2/22/2018</a:t>
+              <a:t>3/1/2018</a:t>
             </a:fld>
             <a:endParaRPr lang="en-US"/>
           </a:p>
@@ -9133,7 +9133,7 @@
           <a:p>
             <a:fld id="{48A87A34-81AB-432B-8DAE-1953F412C126}" type="datetimeFigureOut">
               <a:rPr lang="en-US" dirty="0"/>
-              <a:t>2/22/2018</a:t>
+              <a:t>3/1/2018</a:t>
             </a:fld>
             <a:endParaRPr lang="en-US"/>
           </a:p>
@@ -9408,7 +9408,7 @@
           <a:p>
             <a:fld id="{48A87A34-81AB-432B-8DAE-1953F412C126}" type="datetimeFigureOut">
               <a:rPr lang="en-US" dirty="0"/>
-              <a:t>2/22/2018</a:t>
+              <a:t>3/1/2018</a:t>
             </a:fld>
             <a:endParaRPr lang="en-US"/>
           </a:p>
@@ -9519,7 +9519,7 @@
           <a:noFill/>
           <a:extLst>
             <a:ext uri="{909E8E84-426E-40dd-AFC4-6F175D3DCCD1}">
-              <a14:hiddenFill xmlns:a14="http://schemas.microsoft.com/office/drawing/2010/main" xmlns="">
+              <a14:hiddenFill xmlns="" xmlns:a14="http://schemas.microsoft.com/office/drawing/2010/main">
                 <a:solidFill>
                   <a:srgbClr val="FFFFFF"/>
                 </a:solidFill>
@@ -9593,7 +9593,7 @@
               </a:ln>
               <a:extLst>
                 <a:ext uri="{91240B29-F687-4f45-9708-019B960494DF}">
-                  <a14:hiddenLine xmlns:a14="http://schemas.microsoft.com/office/drawing/2010/main" xmlns="" w="9525">
+                  <a14:hiddenLine xmlns="" xmlns:a14="http://schemas.microsoft.com/office/drawing/2010/main" w="9525">
                     <a:solidFill>
                       <a:srgbClr val="000000"/>
                     </a:solidFill>
@@ -9683,7 +9683,7 @@
               </a:ln>
               <a:extLst>
                 <a:ext uri="{91240B29-F687-4f45-9708-019B960494DF}">
-                  <a14:hiddenLine xmlns:a14="http://schemas.microsoft.com/office/drawing/2010/main" xmlns="" w="9525">
+                  <a14:hiddenLine xmlns="" xmlns:a14="http://schemas.microsoft.com/office/drawing/2010/main" w="9525">
                     <a:solidFill>
                       <a:srgbClr val="000000"/>
                     </a:solidFill>
@@ -9773,7 +9773,7 @@
               </a:ln>
               <a:extLst>
                 <a:ext uri="{91240B29-F687-4f45-9708-019B960494DF}">
-                  <a14:hiddenLine xmlns:a14="http://schemas.microsoft.com/office/drawing/2010/main" xmlns="" w="9525">
+                  <a14:hiddenLine xmlns="" xmlns:a14="http://schemas.microsoft.com/office/drawing/2010/main" w="9525">
                     <a:solidFill>
                       <a:srgbClr val="000000"/>
                     </a:solidFill>
@@ -9835,7 +9835,7 @@
               </a:ln>
               <a:extLst>
                 <a:ext uri="{91240B29-F687-4f45-9708-019B960494DF}">
-                  <a14:hiddenLine xmlns:a14="http://schemas.microsoft.com/office/drawing/2010/main" xmlns="" w="9525">
+                  <a14:hiddenLine xmlns="" xmlns:a14="http://schemas.microsoft.com/office/drawing/2010/main" w="9525">
                     <a:solidFill>
                       <a:srgbClr val="000000"/>
                     </a:solidFill>
@@ -9925,7 +9925,7 @@
               </a:ln>
               <a:extLst>
                 <a:ext uri="{91240B29-F687-4f45-9708-019B960494DF}">
-                  <a14:hiddenLine xmlns:a14="http://schemas.microsoft.com/office/drawing/2010/main" xmlns="" w="9525">
+                  <a14:hiddenLine xmlns="" xmlns:a14="http://schemas.microsoft.com/office/drawing/2010/main" w="9525">
                     <a:solidFill>
                       <a:srgbClr val="000000"/>
                     </a:solidFill>
@@ -9987,7 +9987,7 @@
               </a:ln>
               <a:extLst>
                 <a:ext uri="{91240B29-F687-4f45-9708-019B960494DF}">
-                  <a14:hiddenLine xmlns:a14="http://schemas.microsoft.com/office/drawing/2010/main" xmlns="" w="9525">
+                  <a14:hiddenLine xmlns="" xmlns:a14="http://schemas.microsoft.com/office/drawing/2010/main" w="9525">
                     <a:solidFill>
                       <a:srgbClr val="000000"/>
                     </a:solidFill>
@@ -10049,7 +10049,7 @@
               </a:ln>
               <a:extLst>
                 <a:ext uri="{91240B29-F687-4f45-9708-019B960494DF}">
-                  <a14:hiddenLine xmlns:a14="http://schemas.microsoft.com/office/drawing/2010/main" xmlns="" w="9525">
+                  <a14:hiddenLine xmlns="" xmlns:a14="http://schemas.microsoft.com/office/drawing/2010/main" w="9525">
                     <a:solidFill>
                       <a:srgbClr val="000000"/>
                     </a:solidFill>
@@ -10139,7 +10139,7 @@
               </a:ln>
               <a:extLst>
                 <a:ext uri="{91240B29-F687-4f45-9708-019B960494DF}">
-                  <a14:hiddenLine xmlns:a14="http://schemas.microsoft.com/office/drawing/2010/main" xmlns="" w="9525">
+                  <a14:hiddenLine xmlns="" xmlns:a14="http://schemas.microsoft.com/office/drawing/2010/main" w="9525">
                     <a:solidFill>
                       <a:srgbClr val="000000"/>
                     </a:solidFill>
@@ -10229,7 +10229,7 @@
               </a:ln>
               <a:extLst>
                 <a:ext uri="{91240B29-F687-4f45-9708-019B960494DF}">
-                  <a14:hiddenLine xmlns:a14="http://schemas.microsoft.com/office/drawing/2010/main" xmlns="" w="9525">
+                  <a14:hiddenLine xmlns="" xmlns:a14="http://schemas.microsoft.com/office/drawing/2010/main" w="9525">
                     <a:solidFill>
                       <a:srgbClr val="000000"/>
                     </a:solidFill>
@@ -10291,7 +10291,7 @@
               </a:ln>
               <a:extLst>
                 <a:ext uri="{91240B29-F687-4f45-9708-019B960494DF}">
-                  <a14:hiddenLine xmlns:a14="http://schemas.microsoft.com/office/drawing/2010/main" xmlns="" w="9525">
+                  <a14:hiddenLine xmlns="" xmlns:a14="http://schemas.microsoft.com/office/drawing/2010/main" w="9525">
                     <a:solidFill>
                       <a:srgbClr val="000000"/>
                     </a:solidFill>
@@ -10401,7 +10401,7 @@
               </a:ln>
               <a:extLst>
                 <a:ext uri="{91240B29-F687-4f45-9708-019B960494DF}">
-                  <a14:hiddenLine xmlns:a14="http://schemas.microsoft.com/office/drawing/2010/main" xmlns="" w="9525">
+                  <a14:hiddenLine xmlns="" xmlns:a14="http://schemas.microsoft.com/office/drawing/2010/main" w="9525">
                     <a:solidFill>
                       <a:srgbClr val="000000"/>
                     </a:solidFill>
@@ -10485,7 +10485,7 @@
               </a:ln>
               <a:extLst>
                 <a:ext uri="{91240B29-F687-4f45-9708-019B960494DF}">
-                  <a14:hiddenLine xmlns:a14="http://schemas.microsoft.com/office/drawing/2010/main" xmlns="" w="9525">
+                  <a14:hiddenLine xmlns="" xmlns:a14="http://schemas.microsoft.com/office/drawing/2010/main" w="9525">
                     <a:solidFill>
                       <a:srgbClr val="000000"/>
                     </a:solidFill>
@@ -10547,7 +10547,7 @@
               </a:ln>
               <a:extLst>
                 <a:ext uri="{91240B29-F687-4f45-9708-019B960494DF}">
-                  <a14:hiddenLine xmlns:a14="http://schemas.microsoft.com/office/drawing/2010/main" xmlns="" w="9525">
+                  <a14:hiddenLine xmlns="" xmlns:a14="http://schemas.microsoft.com/office/drawing/2010/main" w="9525">
                     <a:solidFill>
                       <a:srgbClr val="000000"/>
                     </a:solidFill>
@@ -10609,7 +10609,7 @@
               </a:ln>
               <a:extLst>
                 <a:ext uri="{91240B29-F687-4f45-9708-019B960494DF}">
-                  <a14:hiddenLine xmlns:a14="http://schemas.microsoft.com/office/drawing/2010/main" xmlns="" w="9525">
+                  <a14:hiddenLine xmlns="" xmlns:a14="http://schemas.microsoft.com/office/drawing/2010/main" w="9525">
                     <a:solidFill>
                       <a:srgbClr val="000000"/>
                     </a:solidFill>
@@ -10699,7 +10699,7 @@
               </a:ln>
               <a:extLst>
                 <a:ext uri="{91240B29-F687-4f45-9708-019B960494DF}">
-                  <a14:hiddenLine xmlns:a14="http://schemas.microsoft.com/office/drawing/2010/main" xmlns="" w="9525">
+                  <a14:hiddenLine xmlns="" xmlns:a14="http://schemas.microsoft.com/office/drawing/2010/main" w="9525">
                     <a:solidFill>
                       <a:srgbClr val="000000"/>
                     </a:solidFill>
@@ -10733,7 +10733,7 @@
               </a:ln>
               <a:extLst>
                 <a:ext uri="{91240B29-F687-4f45-9708-019B960494DF}">
-                  <a14:hiddenLine xmlns:a14="http://schemas.microsoft.com/office/drawing/2010/main" xmlns="" w="9525">
+                  <a14:hiddenLine xmlns="" xmlns:a14="http://schemas.microsoft.com/office/drawing/2010/main" w="9525">
                     <a:solidFill>
                       <a:srgbClr val="000000"/>
                     </a:solidFill>
@@ -10798,7 +10798,7 @@
               </a:ln>
               <a:extLst>
                 <a:ext uri="{91240B29-F687-4f45-9708-019B960494DF}">
-                  <a14:hiddenLine xmlns:a14="http://schemas.microsoft.com/office/drawing/2010/main" xmlns="" w="9525">
+                  <a14:hiddenLine xmlns="" xmlns:a14="http://schemas.microsoft.com/office/drawing/2010/main" w="9525">
                     <a:solidFill>
                       <a:srgbClr val="000000"/>
                     </a:solidFill>
@@ -10888,7 +10888,7 @@
               </a:ln>
               <a:extLst>
                 <a:ext uri="{91240B29-F687-4f45-9708-019B960494DF}">
-                  <a14:hiddenLine xmlns:a14="http://schemas.microsoft.com/office/drawing/2010/main" xmlns="" w="9525">
+                  <a14:hiddenLine xmlns="" xmlns:a14="http://schemas.microsoft.com/office/drawing/2010/main" w="9525">
                     <a:solidFill>
                       <a:srgbClr val="000000"/>
                     </a:solidFill>
@@ -10950,7 +10950,7 @@
               </a:ln>
               <a:extLst>
                 <a:ext uri="{91240B29-F687-4f45-9708-019B960494DF}">
-                  <a14:hiddenLine xmlns:a14="http://schemas.microsoft.com/office/drawing/2010/main" xmlns="" w="9525">
+                  <a14:hiddenLine xmlns="" xmlns:a14="http://schemas.microsoft.com/office/drawing/2010/main" w="9525">
                     <a:solidFill>
                       <a:srgbClr val="000000"/>
                     </a:solidFill>
@@ -11040,7 +11040,7 @@
               </a:ln>
               <a:extLst>
                 <a:ext uri="{91240B29-F687-4f45-9708-019B960494DF}">
-                  <a14:hiddenLine xmlns:a14="http://schemas.microsoft.com/office/drawing/2010/main" xmlns="" w="9525">
+                  <a14:hiddenLine xmlns="" xmlns:a14="http://schemas.microsoft.com/office/drawing/2010/main" w="9525">
                     <a:solidFill>
                       <a:srgbClr val="000000"/>
                     </a:solidFill>
@@ -11105,7 +11105,7 @@
               </a:ln>
               <a:extLst>
                 <a:ext uri="{91240B29-F687-4f45-9708-019B960494DF}">
-                  <a14:hiddenLine xmlns:a14="http://schemas.microsoft.com/office/drawing/2010/main" xmlns="" w="9525">
+                  <a14:hiddenLine xmlns="" xmlns:a14="http://schemas.microsoft.com/office/drawing/2010/main" w="9525">
                     <a:solidFill>
                       <a:srgbClr val="000000"/>
                     </a:solidFill>
@@ -11167,7 +11167,7 @@
               </a:ln>
               <a:extLst>
                 <a:ext uri="{91240B29-F687-4f45-9708-019B960494DF}">
-                  <a14:hiddenLine xmlns:a14="http://schemas.microsoft.com/office/drawing/2010/main" xmlns="" w="9525">
+                  <a14:hiddenLine xmlns="" xmlns:a14="http://schemas.microsoft.com/office/drawing/2010/main" w="9525">
                     <a:solidFill>
                       <a:srgbClr val="000000"/>
                     </a:solidFill>
@@ -11257,7 +11257,7 @@
               </a:ln>
               <a:extLst>
                 <a:ext uri="{91240B29-F687-4f45-9708-019B960494DF}">
-                  <a14:hiddenLine xmlns:a14="http://schemas.microsoft.com/office/drawing/2010/main" xmlns="" w="9525">
+                  <a14:hiddenLine xmlns="" xmlns:a14="http://schemas.microsoft.com/office/drawing/2010/main" w="9525">
                     <a:solidFill>
                       <a:srgbClr val="000000"/>
                     </a:solidFill>
@@ -11347,7 +11347,7 @@
               </a:ln>
               <a:extLst>
                 <a:ext uri="{91240B29-F687-4f45-9708-019B960494DF}">
-                  <a14:hiddenLine xmlns:a14="http://schemas.microsoft.com/office/drawing/2010/main" xmlns="" w="9525">
+                  <a14:hiddenLine xmlns="" xmlns:a14="http://schemas.microsoft.com/office/drawing/2010/main" w="9525">
                     <a:solidFill>
                       <a:srgbClr val="000000"/>
                     </a:solidFill>
@@ -11412,7 +11412,7 @@
               </a:ln>
               <a:extLst>
                 <a:ext uri="{91240B29-F687-4f45-9708-019B960494DF}">
-                  <a14:hiddenLine xmlns:a14="http://schemas.microsoft.com/office/drawing/2010/main" xmlns="" w="9525">
+                  <a14:hiddenLine xmlns="" xmlns:a14="http://schemas.microsoft.com/office/drawing/2010/main" w="9525">
                     <a:solidFill>
                       <a:srgbClr val="000000"/>
                     </a:solidFill>
@@ -11532,7 +11532,7 @@
               </a:ln>
               <a:extLst>
                 <a:ext uri="{91240B29-F687-4f45-9708-019B960494DF}">
-                  <a14:hiddenLine xmlns:a14="http://schemas.microsoft.com/office/drawing/2010/main" xmlns="" w="9525">
+                  <a14:hiddenLine xmlns="" xmlns:a14="http://schemas.microsoft.com/office/drawing/2010/main" w="9525">
                     <a:solidFill>
                       <a:srgbClr val="000000"/>
                     </a:solidFill>
@@ -11630,7 +11630,7 @@
               </a:ln>
               <a:extLst>
                 <a:ext uri="{91240B29-F687-4f45-9708-019B960494DF}">
-                  <a14:hiddenLine xmlns:a14="http://schemas.microsoft.com/office/drawing/2010/main" xmlns="" w="9525">
+                  <a14:hiddenLine xmlns="" xmlns:a14="http://schemas.microsoft.com/office/drawing/2010/main" w="9525">
                     <a:solidFill>
                       <a:srgbClr val="000000"/>
                     </a:solidFill>
@@ -11745,7 +11745,7 @@
               </a:ln>
               <a:extLst>
                 <a:ext uri="{91240B29-F687-4f45-9708-019B960494DF}">
-                  <a14:hiddenLine xmlns:a14="http://schemas.microsoft.com/office/drawing/2010/main" xmlns="" w="9525">
+                  <a14:hiddenLine xmlns="" xmlns:a14="http://schemas.microsoft.com/office/drawing/2010/main" w="9525">
                     <a:solidFill>
                       <a:srgbClr val="000000"/>
                     </a:solidFill>
@@ -11835,7 +11835,7 @@
               </a:ln>
               <a:extLst>
                 <a:ext uri="{91240B29-F687-4f45-9708-019B960494DF}">
-                  <a14:hiddenLine xmlns:a14="http://schemas.microsoft.com/office/drawing/2010/main" xmlns="" w="9525">
+                  <a14:hiddenLine xmlns="" xmlns:a14="http://schemas.microsoft.com/office/drawing/2010/main" w="9525">
                     <a:solidFill>
                       <a:srgbClr val="000000"/>
                     </a:solidFill>
@@ -11900,7 +11900,7 @@
               </a:ln>
               <a:extLst>
                 <a:ext uri="{91240B29-F687-4f45-9708-019B960494DF}">
-                  <a14:hiddenLine xmlns:a14="http://schemas.microsoft.com/office/drawing/2010/main" xmlns="" w="9525">
+                  <a14:hiddenLine xmlns="" xmlns:a14="http://schemas.microsoft.com/office/drawing/2010/main" w="9525">
                     <a:solidFill>
                       <a:srgbClr val="000000"/>
                     </a:solidFill>
@@ -11990,7 +11990,7 @@
               </a:ln>
               <a:extLst>
                 <a:ext uri="{91240B29-F687-4f45-9708-019B960494DF}">
-                  <a14:hiddenLine xmlns:a14="http://schemas.microsoft.com/office/drawing/2010/main" xmlns="" w="9525">
+                  <a14:hiddenLine xmlns="" xmlns:a14="http://schemas.microsoft.com/office/drawing/2010/main" w="9525">
                     <a:solidFill>
                       <a:srgbClr val="000000"/>
                     </a:solidFill>
@@ -12058,7 +12058,7 @@
               </a:ln>
               <a:extLst>
                 <a:ext uri="{91240B29-F687-4f45-9708-019B960494DF}">
-                  <a14:hiddenLine xmlns:a14="http://schemas.microsoft.com/office/drawing/2010/main" xmlns="" w="9525">
+                  <a14:hiddenLine xmlns="" xmlns:a14="http://schemas.microsoft.com/office/drawing/2010/main" w="9525">
                     <a:solidFill>
                       <a:srgbClr val="000000"/>
                     </a:solidFill>
@@ -12148,7 +12148,7 @@
               </a:ln>
               <a:extLst>
                 <a:ext uri="{91240B29-F687-4f45-9708-019B960494DF}">
-                  <a14:hiddenLine xmlns:a14="http://schemas.microsoft.com/office/drawing/2010/main" xmlns="" w="9525">
+                  <a14:hiddenLine xmlns="" xmlns:a14="http://schemas.microsoft.com/office/drawing/2010/main" w="9525">
                     <a:solidFill>
                       <a:srgbClr val="000000"/>
                     </a:solidFill>
@@ -12216,7 +12216,7 @@
               </a:ln>
               <a:extLst>
                 <a:ext uri="{91240B29-F687-4f45-9708-019B960494DF}">
-                  <a14:hiddenLine xmlns:a14="http://schemas.microsoft.com/office/drawing/2010/main" xmlns="" w="9525">
+                  <a14:hiddenLine xmlns="" xmlns:a14="http://schemas.microsoft.com/office/drawing/2010/main" w="9525">
                     <a:solidFill>
                       <a:srgbClr val="000000"/>
                     </a:solidFill>
@@ -12306,7 +12306,7 @@
               </a:ln>
               <a:extLst>
                 <a:ext uri="{91240B29-F687-4f45-9708-019B960494DF}">
-                  <a14:hiddenLine xmlns:a14="http://schemas.microsoft.com/office/drawing/2010/main" xmlns="" w="9525">
+                  <a14:hiddenLine xmlns="" xmlns:a14="http://schemas.microsoft.com/office/drawing/2010/main" w="9525">
                     <a:solidFill>
                       <a:srgbClr val="000000"/>
                     </a:solidFill>
@@ -12340,7 +12340,7 @@
               </a:ln>
               <a:extLst>
                 <a:ext uri="{91240B29-F687-4f45-9708-019B960494DF}">
-                  <a14:hiddenLine xmlns:a14="http://schemas.microsoft.com/office/drawing/2010/main" xmlns="" w="9525">
+                  <a14:hiddenLine xmlns="" xmlns:a14="http://schemas.microsoft.com/office/drawing/2010/main" w="9525">
                     <a:solidFill>
                       <a:srgbClr val="000000"/>
                     </a:solidFill>
@@ -12481,7 +12481,7 @@
             <a:fld id="{48A87A34-81AB-432B-8DAE-1953F412C126}" type="datetimeFigureOut">
               <a:rPr lang="en-US" dirty="0"/>
               <a:pPr/>
-              <a:t>2/22/2018</a:t>
+              <a:t>3/1/2018</a:t>
             </a:fld>
             <a:endParaRPr lang="en-US"/>
           </a:p>
@@ -13856,7 +13856,11 @@
             </a:r>
             <a:r>
               <a:rPr lang="fi-FI" sz="2000" dirty="0"/>
-              <a:t>(15.-28.2.2018)</a:t>
+              <a:t>(15</a:t>
+            </a:r>
+            <a:r>
+              <a:rPr lang="fi-FI" sz="2000"/>
+              <a:t>.-28.2.2018 – EI TOTEUTUNUT AIKATAULUSSA)</a:t>
             </a:r>
             <a:endParaRPr lang="en-US" sz="2000" dirty="0"/>
           </a:p>
@@ -13926,7 +13930,13 @@
             </a:r>
             <a:r>
               <a:rPr lang="fi-FI"/>
-              <a:t>lähettämiseksi palvelimelle	</a:t>
+              <a:t>lähettämiseksi palvelimelle		</a:t>
+            </a:r>
+            <a:r>
+              <a:rPr lang="fi-FI">
+                <a:sym typeface="Wingdings" panose="05000000000000000000" pitchFamily="2" charset="2"/>
+              </a:rPr>
+              <a:t> Valmis</a:t>
             </a:r>
             <a:endParaRPr lang="fi-FI" dirty="0"/>
           </a:p>
@@ -13958,8 +13968,19 @@
             </a:r>
             <a:r>
               <a:rPr lang="fi-FI" dirty="0"/>
-              <a:t>palvelimen käyttäytymisen, eli onko oikeus lukea vai kirjoittaa arvoja							</a:t>
-            </a:r>
+              <a:t>palvelimen käyttäytymisen, eli onko oikeus lukea vai kirjoittaa arvoja						</a:t>
+            </a:r>
+            <a:r>
+              <a:rPr lang="fi-FI"/>
+              <a:t>	</a:t>
+            </a:r>
+            <a:r>
+              <a:rPr lang="fi-FI">
+                <a:sym typeface="Wingdings" panose="05000000000000000000" pitchFamily="2" charset="2"/>
+              </a:rPr>
+              <a:t> Valmis</a:t>
+            </a:r>
+            <a:endParaRPr lang="fi-FI" dirty="0"/>
           </a:p>
           <a:p>
             <a:endParaRPr lang="en-US" dirty="0"/>
@@ -14047,36 +14068,6 @@
           </a:p>
         </p:txBody>
       </p:sp>
-      <p:pic>
-        <p:nvPicPr>
-          <p:cNvPr id="8" name="Kuva 7">
-            <a:extLst>
-              <a:ext uri="{FF2B5EF4-FFF2-40B4-BE49-F238E27FC236}">
-                <a16:creationId xmlns:a16="http://schemas.microsoft.com/office/drawing/2014/main" id="{AA2EDD13-3516-4814-A1D2-63DE69D613EC}"/>
-              </a:ext>
-            </a:extLst>
-          </p:cNvPr>
-          <p:cNvPicPr>
-            <a:picLocks noChangeAspect="1"/>
-          </p:cNvPicPr>
-          <p:nvPr/>
-        </p:nvPicPr>
-        <p:blipFill>
-          <a:blip r:embed="rId2"/>
-          <a:stretch>
-            <a:fillRect/>
-          </a:stretch>
-        </p:blipFill>
-        <p:spPr>
-          <a:xfrm>
-            <a:off x="1197745" y="285135"/>
-            <a:ext cx="10262735" cy="6203473"/>
-          </a:xfrm>
-          <a:prstGeom prst="rect">
-            <a:avLst/>
-          </a:prstGeom>
-        </p:spPr>
-      </p:pic>
       <p:sp>
         <p:nvSpPr>
           <p:cNvPr id="2" name="Otsikko 1">
@@ -14115,6 +14106,36 @@
           </a:p>
         </p:txBody>
       </p:sp>
+      <p:pic>
+        <p:nvPicPr>
+          <p:cNvPr id="5" name="Kuva 4">
+            <a:extLst>
+              <a:ext uri="{FF2B5EF4-FFF2-40B4-BE49-F238E27FC236}">
+                <a16:creationId xmlns:a16="http://schemas.microsoft.com/office/drawing/2014/main" id="{D640C7FA-2B46-4303-8834-DF40C4278269}"/>
+              </a:ext>
+            </a:extLst>
+          </p:cNvPr>
+          <p:cNvPicPr>
+            <a:picLocks noChangeAspect="1"/>
+          </p:cNvPicPr>
+          <p:nvPr/>
+        </p:nvPicPr>
+        <p:blipFill>
+          <a:blip r:embed="rId2"/>
+          <a:stretch>
+            <a:fillRect/>
+          </a:stretch>
+        </p:blipFill>
+        <p:spPr>
+          <a:xfrm>
+            <a:off x="1152298" y="500962"/>
+            <a:ext cx="9909176" cy="6028359"/>
+          </a:xfrm>
+          <a:prstGeom prst="rect">
+            <a:avLst/>
+          </a:prstGeom>
+        </p:spPr>
+      </p:pic>
     </p:spTree>
     <p:extLst>
       <p:ext uri="{BB962C8B-B14F-4D97-AF65-F5344CB8AC3E}">
@@ -14202,20 +14223,34 @@
         <p:spPr/>
         <p:txBody>
           <a:bodyPr vert="horz" lIns="91440" tIns="45720" rIns="91440" bIns="45720" rtlCol="0" anchor="t">
-            <a:normAutofit/>
+            <a:normAutofit lnSpcReduction="10000"/>
           </a:bodyPr>
           <a:lstStyle/>
           <a:p>
             <a:r>
               <a:rPr lang="fi-FI"/>
-              <a:t>Datan kirjoitus tietokantaan 1min välein/asiakassovellus</a:t>
-            </a:r>
+              <a:t>Datan kirjoitus tietokantaan 1min välein/asiakassovellus		</a:t>
+            </a:r>
+            <a:r>
+              <a:rPr lang="fi-FI">
+                <a:sym typeface="Wingdings" panose="05000000000000000000" pitchFamily="2" charset="2"/>
+              </a:rPr>
+              <a:t> Valmis</a:t>
+            </a:r>
+            <a:endParaRPr lang="fi-FI"/>
           </a:p>
           <a:p>
             <a:r>
               <a:rPr lang="fi-FI"/>
-              <a:t>Tietokannassa 1000 riviä dataa</a:t>
-            </a:r>
+              <a:t>Tietokannassa 1000 riviä dataa					</a:t>
+            </a:r>
+            <a:r>
+              <a:rPr lang="fi-FI">
+                <a:sym typeface="Wingdings" panose="05000000000000000000" pitchFamily="2" charset="2"/>
+              </a:rPr>
+              <a:t> Valmis</a:t>
+            </a:r>
+            <a:endParaRPr lang="fi-FI"/>
           </a:p>
           <a:p>
             <a:r>
@@ -14241,6 +14276,24 @@
             <a:r>
               <a:rPr lang="fi-FI"/>
               <a:t>Haku järjestettynä lämpötilojen mukaan</a:t>
+            </a:r>
+          </a:p>
+          <a:p>
+            <a:pPr>
+              <a:buFont typeface="Arial"/>
+            </a:pPr>
+            <a:r>
+              <a:rPr lang="fi-FI"/>
+              <a:t>Wiki (dokumentointi)</a:t>
+            </a:r>
+          </a:p>
+          <a:p>
+            <a:pPr>
+              <a:buFont typeface="Arial"/>
+            </a:pPr>
+            <a:r>
+              <a:rPr lang="fi-FI"/>
+              <a:t>Ohjelmistotestaus</a:t>
             </a:r>
             <a:endParaRPr lang="en-US"/>
           </a:p>
